--- a/infra/template_apresentacao_autoware.pptx
+++ b/infra/template_apresentacao_autoware.pptx
@@ -6,9 +6,18 @@
   </p:sldMasterIdLst>
   <p:sldIdLst>
     <p:sldId id="256" r:id="rId2"/>
-    <p:sldId id="257" r:id="rId3"/>
-    <p:sldId id="258" r:id="rId4"/>
-    <p:sldId id="259" r:id="rId5"/>
+    <p:sldId id="258" r:id="rId3"/>
+    <p:sldId id="260" r:id="rId4"/>
+    <p:sldId id="261" r:id="rId5"/>
+    <p:sldId id="262" r:id="rId6"/>
+    <p:sldId id="263" r:id="rId7"/>
+    <p:sldId id="267" r:id="rId8"/>
+    <p:sldId id="268" r:id="rId9"/>
+    <p:sldId id="264" r:id="rId10"/>
+    <p:sldId id="265" r:id="rId11"/>
+    <p:sldId id="269" r:id="rId12"/>
+    <p:sldId id="271" r:id="rId13"/>
+    <p:sldId id="270" r:id="rId14"/>
   </p:sldIdLst>
   <p:sldSz cx="12192000" cy="6858000"/>
   <p:notesSz cx="6858000" cy="9144000"/>
@@ -262,7 +271,7 @@
           <a:p>
             <a:fld id="{836B5180-CD5B-421E-B60A-FFF355E68546}" type="datetimeFigureOut">
               <a:rPr lang="pt-BR" smtClean="0"/>
-              <a:t>24/05/2023</a:t>
+              <a:t>01/06/2023</a:t>
             </a:fld>
             <a:endParaRPr lang="pt-BR"/>
           </a:p>
@@ -460,7 +469,7 @@
           <a:p>
             <a:fld id="{836B5180-CD5B-421E-B60A-FFF355E68546}" type="datetimeFigureOut">
               <a:rPr lang="pt-BR" smtClean="0"/>
-              <a:t>24/05/2023</a:t>
+              <a:t>01/06/2023</a:t>
             </a:fld>
             <a:endParaRPr lang="pt-BR"/>
           </a:p>
@@ -668,7 +677,7 @@
           <a:p>
             <a:fld id="{836B5180-CD5B-421E-B60A-FFF355E68546}" type="datetimeFigureOut">
               <a:rPr lang="pt-BR" smtClean="0"/>
-              <a:t>24/05/2023</a:t>
+              <a:t>01/06/2023</a:t>
             </a:fld>
             <a:endParaRPr lang="pt-BR"/>
           </a:p>
@@ -866,7 +875,7 @@
           <a:p>
             <a:fld id="{836B5180-CD5B-421E-B60A-FFF355E68546}" type="datetimeFigureOut">
               <a:rPr lang="pt-BR" smtClean="0"/>
-              <a:t>24/05/2023</a:t>
+              <a:t>01/06/2023</a:t>
             </a:fld>
             <a:endParaRPr lang="pt-BR"/>
           </a:p>
@@ -1141,7 +1150,7 @@
           <a:p>
             <a:fld id="{836B5180-CD5B-421E-B60A-FFF355E68546}" type="datetimeFigureOut">
               <a:rPr lang="pt-BR" smtClean="0"/>
-              <a:t>24/05/2023</a:t>
+              <a:t>01/06/2023</a:t>
             </a:fld>
             <a:endParaRPr lang="pt-BR"/>
           </a:p>
@@ -1406,7 +1415,7 @@
           <a:p>
             <a:fld id="{836B5180-CD5B-421E-B60A-FFF355E68546}" type="datetimeFigureOut">
               <a:rPr lang="pt-BR" smtClean="0"/>
-              <a:t>24/05/2023</a:t>
+              <a:t>01/06/2023</a:t>
             </a:fld>
             <a:endParaRPr lang="pt-BR"/>
           </a:p>
@@ -1818,7 +1827,7 @@
           <a:p>
             <a:fld id="{836B5180-CD5B-421E-B60A-FFF355E68546}" type="datetimeFigureOut">
               <a:rPr lang="pt-BR" smtClean="0"/>
-              <a:t>24/05/2023</a:t>
+              <a:t>01/06/2023</a:t>
             </a:fld>
             <a:endParaRPr lang="pt-BR"/>
           </a:p>
@@ -1959,7 +1968,7 @@
           <a:p>
             <a:fld id="{836B5180-CD5B-421E-B60A-FFF355E68546}" type="datetimeFigureOut">
               <a:rPr lang="pt-BR" smtClean="0"/>
-              <a:t>24/05/2023</a:t>
+              <a:t>01/06/2023</a:t>
             </a:fld>
             <a:endParaRPr lang="pt-BR"/>
           </a:p>
@@ -2072,7 +2081,7 @@
           <a:p>
             <a:fld id="{836B5180-CD5B-421E-B60A-FFF355E68546}" type="datetimeFigureOut">
               <a:rPr lang="pt-BR" smtClean="0"/>
-              <a:t>24/05/2023</a:t>
+              <a:t>01/06/2023</a:t>
             </a:fld>
             <a:endParaRPr lang="pt-BR"/>
           </a:p>
@@ -2383,7 +2392,7 @@
           <a:p>
             <a:fld id="{836B5180-CD5B-421E-B60A-FFF355E68546}" type="datetimeFigureOut">
               <a:rPr lang="pt-BR" smtClean="0"/>
-              <a:t>24/05/2023</a:t>
+              <a:t>01/06/2023</a:t>
             </a:fld>
             <a:endParaRPr lang="pt-BR"/>
           </a:p>
@@ -2671,7 +2680,7 @@
           <a:p>
             <a:fld id="{836B5180-CD5B-421E-B60A-FFF355E68546}" type="datetimeFigureOut">
               <a:rPr lang="pt-BR" smtClean="0"/>
-              <a:t>24/05/2023</a:t>
+              <a:t>01/06/2023</a:t>
             </a:fld>
             <a:endParaRPr lang="pt-BR"/>
           </a:p>
@@ -2912,7 +2921,7 @@
           <a:p>
             <a:fld id="{836B5180-CD5B-421E-B60A-FFF355E68546}" type="datetimeFigureOut">
               <a:rPr lang="pt-BR" smtClean="0"/>
-              <a:t>24/05/2023</a:t>
+              <a:t>01/06/2023</a:t>
             </a:fld>
             <a:endParaRPr lang="pt-BR"/>
           </a:p>
@@ -3395,20 +3404,55 @@
           <a:p>
             <a:pPr algn="ctr"/>
             <a:r>
-              <a:rPr lang="pt-BR" sz="6600" b="1" dirty="0" err="1">
+              <a:rPr lang="pt-BR" sz="6600" b="1" dirty="0">
                 <a:solidFill>
                   <a:srgbClr val="D2AE6D"/>
                 </a:solidFill>
                 <a:latin typeface="Alte Haas Grotesk" panose="02000503000000020004" pitchFamily="2" charset="0"/>
               </a:rPr>
-              <a:t>Observabilidade</a:t>
-            </a:r>
-            <a:endParaRPr lang="pt-BR" sz="6600" b="1" dirty="0">
-              <a:solidFill>
-                <a:srgbClr val="D2AE6D"/>
-              </a:solidFill>
-              <a:latin typeface="Alte Haas Grotesk" panose="02000503000000020004" pitchFamily="2" charset="0"/>
-            </a:endParaRPr>
+              <a:t>OBSERVABILIDADE</a:t>
+            </a:r>
+          </a:p>
+        </p:txBody>
+      </p:sp>
+      <p:sp>
+        <p:nvSpPr>
+          <p:cNvPr id="2" name="CaixaDeTexto 1">
+            <a:extLst>
+              <a:ext uri="{FF2B5EF4-FFF2-40B4-BE49-F238E27FC236}">
+                <a16:creationId xmlns:a16="http://schemas.microsoft.com/office/drawing/2014/main" id="{347B141B-12A6-60B7-1A44-7ADC6591AAAD}"/>
+              </a:ext>
+            </a:extLst>
+          </p:cNvPr>
+          <p:cNvSpPr txBox="1"/>
+          <p:nvPr/>
+        </p:nvSpPr>
+        <p:spPr>
+          <a:xfrm>
+            <a:off x="0" y="6262948"/>
+            <a:ext cx="12192000" cy="523220"/>
+          </a:xfrm>
+          <a:prstGeom prst="rect">
+            <a:avLst/>
+          </a:prstGeom>
+          <a:noFill/>
+        </p:spPr>
+        <p:txBody>
+          <a:bodyPr wrap="square" rtlCol="0">
+            <a:spAutoFit/>
+          </a:bodyPr>
+          <a:lstStyle/>
+          <a:p>
+            <a:pPr algn="ctr"/>
+            <a:r>
+              <a:rPr lang="pt-BR" sz="2800" b="1" dirty="0">
+                <a:solidFill>
+                  <a:srgbClr val="D2AE6D"/>
+                </a:solidFill>
+                <a:latin typeface="Alte Haas Grotesk" panose="02000503000000020004" pitchFamily="2" charset="0"/>
+              </a:rPr>
+              <a:t>Micael Costa Amorim</a:t>
+            </a:r>
           </a:p>
         </p:txBody>
       </p:sp>
@@ -3416,6 +3460,917 @@
     <p:extLst>
       <p:ext uri="{BB962C8B-B14F-4D97-AF65-F5344CB8AC3E}">
         <p14:creationId xmlns:p14="http://schemas.microsoft.com/office/powerpoint/2010/main" val="2887451691"/>
+      </p:ext>
+    </p:extLst>
+  </p:cSld>
+  <p:clrMapOvr>
+    <a:masterClrMapping/>
+  </p:clrMapOvr>
+</p:sld>
+</file>
+
+<file path=ppt/slides/slide10.xml><?xml version="1.0" encoding="utf-8"?>
+<p:sld xmlns:a="http://schemas.openxmlformats.org/drawingml/2006/main" xmlns:r="http://schemas.openxmlformats.org/officeDocument/2006/relationships" xmlns:p="http://schemas.openxmlformats.org/presentationml/2006/main">
+  <p:cSld>
+    <p:spTree>
+      <p:nvGrpSpPr>
+        <p:cNvPr id="1" name=""/>
+        <p:cNvGrpSpPr/>
+        <p:nvPr/>
+      </p:nvGrpSpPr>
+      <p:grpSpPr>
+        <a:xfrm>
+          <a:off x="0" y="0"/>
+          <a:ext cx="0" cy="0"/>
+          <a:chOff x="0" y="0"/>
+          <a:chExt cx="0" cy="0"/>
+        </a:xfrm>
+      </p:grpSpPr>
+      <p:pic>
+        <p:nvPicPr>
+          <p:cNvPr id="8" name="Imagem 7">
+            <a:extLst>
+              <a:ext uri="{FF2B5EF4-FFF2-40B4-BE49-F238E27FC236}">
+                <a16:creationId xmlns:a16="http://schemas.microsoft.com/office/drawing/2014/main" id="{58811B2A-2EF5-75D0-E6A6-8DF630E73600}"/>
+              </a:ext>
+            </a:extLst>
+          </p:cNvPr>
+          <p:cNvPicPr>
+            <a:picLocks noChangeAspect="1"/>
+          </p:cNvPicPr>
+          <p:nvPr/>
+        </p:nvPicPr>
+        <p:blipFill>
+          <a:blip r:embed="rId2">
+            <a:extLst>
+              <a:ext uri="{28A0092B-C50C-407E-A947-70E740481C1C}">
+                <a14:useLocalDpi xmlns:a14="http://schemas.microsoft.com/office/drawing/2010/main" val="0"/>
+              </a:ext>
+            </a:extLst>
+          </a:blip>
+          <a:stretch>
+            <a:fillRect/>
+          </a:stretch>
+        </p:blipFill>
+        <p:spPr>
+          <a:xfrm>
+            <a:off x="2708" y="0"/>
+            <a:ext cx="12186584" cy="6858000"/>
+          </a:xfrm>
+          <a:prstGeom prst="rect">
+            <a:avLst/>
+          </a:prstGeom>
+        </p:spPr>
+      </p:pic>
+      <p:sp>
+        <p:nvSpPr>
+          <p:cNvPr id="7" name="CaixaDeTexto 6">
+            <a:extLst>
+              <a:ext uri="{FF2B5EF4-FFF2-40B4-BE49-F238E27FC236}">
+                <a16:creationId xmlns:a16="http://schemas.microsoft.com/office/drawing/2014/main" id="{3B9E86B4-089C-5426-0120-0EF072D18985}"/>
+              </a:ext>
+            </a:extLst>
+          </p:cNvPr>
+          <p:cNvSpPr txBox="1"/>
+          <p:nvPr/>
+        </p:nvSpPr>
+        <p:spPr>
+          <a:xfrm>
+            <a:off x="0" y="282091"/>
+            <a:ext cx="12192000" cy="646331"/>
+          </a:xfrm>
+          <a:prstGeom prst="rect">
+            <a:avLst/>
+          </a:prstGeom>
+          <a:noFill/>
+        </p:spPr>
+        <p:txBody>
+          <a:bodyPr wrap="square" rtlCol="0">
+            <a:spAutoFit/>
+          </a:bodyPr>
+          <a:lstStyle/>
+          <a:p>
+            <a:pPr algn="ctr"/>
+            <a:r>
+              <a:rPr lang="pt-BR" sz="3600" b="1" dirty="0">
+                <a:solidFill>
+                  <a:srgbClr val="D2AE6D"/>
+                </a:solidFill>
+                <a:latin typeface="Alte Haas Grotesk" panose="02000503000000020004" pitchFamily="2" charset="0"/>
+              </a:rPr>
+              <a:t>OPENTELEMETRY</a:t>
+            </a:r>
+          </a:p>
+        </p:txBody>
+      </p:sp>
+      <p:pic>
+        <p:nvPicPr>
+          <p:cNvPr id="3" name="Imagem 2">
+            <a:extLst>
+              <a:ext uri="{FF2B5EF4-FFF2-40B4-BE49-F238E27FC236}">
+                <a16:creationId xmlns:a16="http://schemas.microsoft.com/office/drawing/2014/main" id="{15FC2910-F437-7791-132E-642CBC36E9A8}"/>
+              </a:ext>
+            </a:extLst>
+          </p:cNvPr>
+          <p:cNvPicPr>
+            <a:picLocks noChangeAspect="1"/>
+          </p:cNvPicPr>
+          <p:nvPr/>
+        </p:nvPicPr>
+        <p:blipFill>
+          <a:blip r:embed="rId3"/>
+          <a:stretch>
+            <a:fillRect/>
+          </a:stretch>
+        </p:blipFill>
+        <p:spPr>
+          <a:xfrm>
+            <a:off x="700087" y="2143125"/>
+            <a:ext cx="10791825" cy="2571750"/>
+          </a:xfrm>
+          <a:prstGeom prst="rect">
+            <a:avLst/>
+          </a:prstGeom>
+        </p:spPr>
+      </p:pic>
+    </p:spTree>
+    <p:extLst>
+      <p:ext uri="{BB962C8B-B14F-4D97-AF65-F5344CB8AC3E}">
+        <p14:creationId xmlns:p14="http://schemas.microsoft.com/office/powerpoint/2010/main" val="1990276450"/>
+      </p:ext>
+    </p:extLst>
+  </p:cSld>
+  <p:clrMapOvr>
+    <a:masterClrMapping/>
+  </p:clrMapOvr>
+</p:sld>
+</file>
+
+<file path=ppt/slides/slide11.xml><?xml version="1.0" encoding="utf-8"?>
+<p:sld xmlns:a="http://schemas.openxmlformats.org/drawingml/2006/main" xmlns:r="http://schemas.openxmlformats.org/officeDocument/2006/relationships" xmlns:p="http://schemas.openxmlformats.org/presentationml/2006/main">
+  <p:cSld>
+    <p:spTree>
+      <p:nvGrpSpPr>
+        <p:cNvPr id="1" name=""/>
+        <p:cNvGrpSpPr/>
+        <p:nvPr/>
+      </p:nvGrpSpPr>
+      <p:grpSpPr>
+        <a:xfrm>
+          <a:off x="0" y="0"/>
+          <a:ext cx="0" cy="0"/>
+          <a:chOff x="0" y="0"/>
+          <a:chExt cx="0" cy="0"/>
+        </a:xfrm>
+      </p:grpSpPr>
+      <p:pic>
+        <p:nvPicPr>
+          <p:cNvPr id="8" name="Imagem 7">
+            <a:extLst>
+              <a:ext uri="{FF2B5EF4-FFF2-40B4-BE49-F238E27FC236}">
+                <a16:creationId xmlns:a16="http://schemas.microsoft.com/office/drawing/2014/main" id="{58811B2A-2EF5-75D0-E6A6-8DF630E73600}"/>
+              </a:ext>
+            </a:extLst>
+          </p:cNvPr>
+          <p:cNvPicPr>
+            <a:picLocks noChangeAspect="1"/>
+          </p:cNvPicPr>
+          <p:nvPr/>
+        </p:nvPicPr>
+        <p:blipFill>
+          <a:blip r:embed="rId2">
+            <a:extLst>
+              <a:ext uri="{28A0092B-C50C-407E-A947-70E740481C1C}">
+                <a14:useLocalDpi xmlns:a14="http://schemas.microsoft.com/office/drawing/2010/main" val="0"/>
+              </a:ext>
+            </a:extLst>
+          </a:blip>
+          <a:stretch>
+            <a:fillRect/>
+          </a:stretch>
+        </p:blipFill>
+        <p:spPr>
+          <a:xfrm>
+            <a:off x="2708" y="0"/>
+            <a:ext cx="12186584" cy="6858000"/>
+          </a:xfrm>
+          <a:prstGeom prst="rect">
+            <a:avLst/>
+          </a:prstGeom>
+        </p:spPr>
+      </p:pic>
+      <p:sp>
+        <p:nvSpPr>
+          <p:cNvPr id="6" name="CaixaDeTexto 5">
+            <a:extLst>
+              <a:ext uri="{FF2B5EF4-FFF2-40B4-BE49-F238E27FC236}">
+                <a16:creationId xmlns:a16="http://schemas.microsoft.com/office/drawing/2014/main" id="{95A45216-2EBC-9A81-66AD-DB4905FD3FD2}"/>
+              </a:ext>
+            </a:extLst>
+          </p:cNvPr>
+          <p:cNvSpPr txBox="1"/>
+          <p:nvPr/>
+        </p:nvSpPr>
+        <p:spPr>
+          <a:xfrm>
+            <a:off x="1654663" y="1210513"/>
+            <a:ext cx="3805382" cy="5021055"/>
+          </a:xfrm>
+          <a:prstGeom prst="rect">
+            <a:avLst/>
+          </a:prstGeom>
+          <a:noFill/>
+        </p:spPr>
+        <p:txBody>
+          <a:bodyPr wrap="square" rtlCol="0">
+            <a:spAutoFit/>
+          </a:bodyPr>
+          <a:lstStyle/>
+          <a:p>
+            <a:pPr marL="342900" indent="-342900" algn="just">
+              <a:lnSpc>
+                <a:spcPct val="150000"/>
+              </a:lnSpc>
+              <a:buFont typeface="Arial" panose="020B0604020202020204" pitchFamily="34" charset="0"/>
+              <a:buChar char="•"/>
+            </a:pPr>
+            <a:r>
+              <a:rPr lang="pt-BR" sz="2400" b="1" dirty="0" err="1">
+                <a:latin typeface="Alte Haas Grotesk" panose="02000503000000020004"/>
+              </a:rPr>
+              <a:t>Exporters</a:t>
+            </a:r>
+            <a:endParaRPr lang="pt-BR" sz="2400" b="1" dirty="0">
+              <a:latin typeface="Alte Haas Grotesk" panose="02000503000000020004"/>
+            </a:endParaRPr>
+          </a:p>
+          <a:p>
+            <a:pPr marL="800100" lvl="1" indent="-342900" algn="just">
+              <a:lnSpc>
+                <a:spcPct val="150000"/>
+              </a:lnSpc>
+              <a:buFont typeface="Arial" panose="020B0604020202020204" pitchFamily="34" charset="0"/>
+              <a:buChar char="•"/>
+            </a:pPr>
+            <a:r>
+              <a:rPr lang="pt-BR" sz="2400" b="0" i="0" dirty="0">
+                <a:solidFill>
+                  <a:srgbClr val="212529"/>
+                </a:solidFill>
+                <a:effectLst/>
+                <a:latin typeface="Alte Haas Grotesk" panose="02000503000000020004"/>
+              </a:rPr>
+              <a:t>Jaeger</a:t>
+            </a:r>
+          </a:p>
+          <a:p>
+            <a:pPr marL="800100" lvl="1" indent="-342900" algn="just">
+              <a:lnSpc>
+                <a:spcPct val="150000"/>
+              </a:lnSpc>
+              <a:buFont typeface="Arial" panose="020B0604020202020204" pitchFamily="34" charset="0"/>
+              <a:buChar char="•"/>
+            </a:pPr>
+            <a:r>
+              <a:rPr lang="pt-BR" sz="2400" dirty="0" err="1">
+                <a:solidFill>
+                  <a:srgbClr val="212529"/>
+                </a:solidFill>
+                <a:latin typeface="Alte Haas Grotesk" panose="02000503000000020004"/>
+              </a:rPr>
+              <a:t>Prometheus</a:t>
+            </a:r>
+            <a:endParaRPr lang="pt-BR" sz="2400" dirty="0">
+              <a:solidFill>
+                <a:srgbClr val="212529"/>
+              </a:solidFill>
+              <a:latin typeface="Alte Haas Grotesk" panose="02000503000000020004"/>
+            </a:endParaRPr>
+          </a:p>
+          <a:p>
+            <a:pPr marL="800100" lvl="1" indent="-342900" algn="just">
+              <a:lnSpc>
+                <a:spcPct val="150000"/>
+              </a:lnSpc>
+              <a:buFont typeface="Arial" panose="020B0604020202020204" pitchFamily="34" charset="0"/>
+              <a:buChar char="•"/>
+            </a:pPr>
+            <a:r>
+              <a:rPr lang="pt-BR" sz="2400" b="0" i="0" dirty="0">
+                <a:solidFill>
+                  <a:srgbClr val="212529"/>
+                </a:solidFill>
+                <a:effectLst/>
+                <a:latin typeface="Alte Haas Grotesk" panose="02000503000000020004"/>
+              </a:rPr>
+              <a:t>Azure Monitor</a:t>
+            </a:r>
+          </a:p>
+          <a:p>
+            <a:pPr marL="800100" lvl="1" indent="-342900" algn="just">
+              <a:lnSpc>
+                <a:spcPct val="150000"/>
+              </a:lnSpc>
+              <a:buFont typeface="Arial" panose="020B0604020202020204" pitchFamily="34" charset="0"/>
+              <a:buChar char="•"/>
+            </a:pPr>
+            <a:r>
+              <a:rPr lang="pt-BR" sz="2400" dirty="0" err="1">
+                <a:solidFill>
+                  <a:srgbClr val="212529"/>
+                </a:solidFill>
+                <a:latin typeface="Alte Haas Grotesk" panose="02000503000000020004"/>
+              </a:rPr>
+              <a:t>Application</a:t>
+            </a:r>
+            <a:r>
+              <a:rPr lang="pt-BR" sz="2400" dirty="0">
+                <a:solidFill>
+                  <a:srgbClr val="212529"/>
+                </a:solidFill>
+                <a:latin typeface="Alte Haas Grotesk" panose="02000503000000020004"/>
+              </a:rPr>
+              <a:t> Insights</a:t>
+            </a:r>
+          </a:p>
+          <a:p>
+            <a:pPr marL="800100" lvl="1" indent="-342900" algn="just">
+              <a:lnSpc>
+                <a:spcPct val="150000"/>
+              </a:lnSpc>
+              <a:buFont typeface="Arial" panose="020B0604020202020204" pitchFamily="34" charset="0"/>
+              <a:buChar char="•"/>
+            </a:pPr>
+            <a:r>
+              <a:rPr lang="pt-BR" sz="2400" b="0" i="0" dirty="0">
+                <a:solidFill>
+                  <a:srgbClr val="212529"/>
+                </a:solidFill>
+                <a:effectLst/>
+                <a:latin typeface="Alte Haas Grotesk" panose="02000503000000020004"/>
+              </a:rPr>
+              <a:t>New </a:t>
+            </a:r>
+            <a:r>
+              <a:rPr lang="pt-BR" sz="2400" b="0" i="0" dirty="0" err="1">
+                <a:solidFill>
+                  <a:srgbClr val="212529"/>
+                </a:solidFill>
+                <a:effectLst/>
+                <a:latin typeface="Alte Haas Grotesk" panose="02000503000000020004"/>
+              </a:rPr>
+              <a:t>Relic</a:t>
+            </a:r>
+            <a:endParaRPr lang="pt-BR" sz="2400" b="0" i="0" dirty="0">
+              <a:solidFill>
+                <a:srgbClr val="212529"/>
+              </a:solidFill>
+              <a:effectLst/>
+              <a:latin typeface="Alte Haas Grotesk" panose="02000503000000020004"/>
+            </a:endParaRPr>
+          </a:p>
+          <a:p>
+            <a:pPr marL="800100" lvl="1" indent="-342900" algn="just">
+              <a:lnSpc>
+                <a:spcPct val="150000"/>
+              </a:lnSpc>
+              <a:buFont typeface="Arial" panose="020B0604020202020204" pitchFamily="34" charset="0"/>
+              <a:buChar char="•"/>
+            </a:pPr>
+            <a:r>
+              <a:rPr lang="pt-BR" sz="2400" dirty="0" err="1">
+                <a:solidFill>
+                  <a:srgbClr val="212529"/>
+                </a:solidFill>
+                <a:latin typeface="Alte Haas Grotesk" panose="02000503000000020004"/>
+              </a:rPr>
+              <a:t>DynaTrace</a:t>
+            </a:r>
+            <a:endParaRPr lang="pt-BR" sz="2400" b="0" i="0" dirty="0">
+              <a:solidFill>
+                <a:srgbClr val="212529"/>
+              </a:solidFill>
+              <a:effectLst/>
+              <a:latin typeface="Alte Haas Grotesk" panose="02000503000000020004"/>
+            </a:endParaRPr>
+          </a:p>
+          <a:p>
+            <a:pPr marL="800100" lvl="1" indent="-342900" algn="just">
+              <a:lnSpc>
+                <a:spcPct val="150000"/>
+              </a:lnSpc>
+              <a:buFont typeface="Arial" panose="020B0604020202020204" pitchFamily="34" charset="0"/>
+              <a:buChar char="•"/>
+            </a:pPr>
+            <a:r>
+              <a:rPr lang="pt-BR" sz="2400" dirty="0">
+                <a:solidFill>
+                  <a:srgbClr val="212529"/>
+                </a:solidFill>
+                <a:latin typeface="Alte Haas Grotesk" panose="02000503000000020004"/>
+              </a:rPr>
+              <a:t>OTLP</a:t>
+            </a:r>
+          </a:p>
+          <a:p>
+            <a:pPr marL="800100" lvl="1" indent="-342900" algn="just">
+              <a:lnSpc>
+                <a:spcPct val="150000"/>
+              </a:lnSpc>
+              <a:buFont typeface="Arial" panose="020B0604020202020204" pitchFamily="34" charset="0"/>
+              <a:buChar char="•"/>
+            </a:pPr>
+            <a:r>
+              <a:rPr lang="pt-BR" sz="2400" b="0" i="0" dirty="0">
+                <a:solidFill>
+                  <a:srgbClr val="212529"/>
+                </a:solidFill>
+                <a:effectLst/>
+                <a:latin typeface="Alte Haas Grotesk" panose="02000503000000020004"/>
+              </a:rPr>
+              <a:t>...</a:t>
+            </a:r>
+          </a:p>
+        </p:txBody>
+      </p:sp>
+      <p:sp>
+        <p:nvSpPr>
+          <p:cNvPr id="7" name="CaixaDeTexto 6">
+            <a:extLst>
+              <a:ext uri="{FF2B5EF4-FFF2-40B4-BE49-F238E27FC236}">
+                <a16:creationId xmlns:a16="http://schemas.microsoft.com/office/drawing/2014/main" id="{3B9E86B4-089C-5426-0120-0EF072D18985}"/>
+              </a:ext>
+            </a:extLst>
+          </p:cNvPr>
+          <p:cNvSpPr txBox="1"/>
+          <p:nvPr/>
+        </p:nvSpPr>
+        <p:spPr>
+          <a:xfrm>
+            <a:off x="0" y="282091"/>
+            <a:ext cx="12192000" cy="646331"/>
+          </a:xfrm>
+          <a:prstGeom prst="rect">
+            <a:avLst/>
+          </a:prstGeom>
+          <a:noFill/>
+        </p:spPr>
+        <p:txBody>
+          <a:bodyPr wrap="square" rtlCol="0">
+            <a:spAutoFit/>
+          </a:bodyPr>
+          <a:lstStyle/>
+          <a:p>
+            <a:pPr algn="ctr"/>
+            <a:r>
+              <a:rPr lang="pt-BR" sz="3600" b="1" dirty="0">
+                <a:solidFill>
+                  <a:srgbClr val="D2AE6D"/>
+                </a:solidFill>
+                <a:latin typeface="Alte Haas Grotesk" panose="02000503000000020004" pitchFamily="2" charset="0"/>
+              </a:rPr>
+              <a:t>OPENTELEMETRY</a:t>
+            </a:r>
+          </a:p>
+        </p:txBody>
+      </p:sp>
+      <p:sp>
+        <p:nvSpPr>
+          <p:cNvPr id="2" name="CaixaDeTexto 1">
+            <a:extLst>
+              <a:ext uri="{FF2B5EF4-FFF2-40B4-BE49-F238E27FC236}">
+                <a16:creationId xmlns:a16="http://schemas.microsoft.com/office/drawing/2014/main" id="{79B2CB7E-5212-BA37-8B0A-DB3C55B456F4}"/>
+              </a:ext>
+            </a:extLst>
+          </p:cNvPr>
+          <p:cNvSpPr txBox="1"/>
+          <p:nvPr/>
+        </p:nvSpPr>
+        <p:spPr>
+          <a:xfrm>
+            <a:off x="6731955" y="1210512"/>
+            <a:ext cx="3805382" cy="5021055"/>
+          </a:xfrm>
+          <a:prstGeom prst="rect">
+            <a:avLst/>
+          </a:prstGeom>
+          <a:noFill/>
+        </p:spPr>
+        <p:txBody>
+          <a:bodyPr wrap="square" rtlCol="0">
+            <a:spAutoFit/>
+          </a:bodyPr>
+          <a:lstStyle/>
+          <a:p>
+            <a:pPr marL="342900" indent="-342900" algn="just">
+              <a:lnSpc>
+                <a:spcPct val="150000"/>
+              </a:lnSpc>
+              <a:buFont typeface="Arial" panose="020B0604020202020204" pitchFamily="34" charset="0"/>
+              <a:buChar char="•"/>
+            </a:pPr>
+            <a:r>
+              <a:rPr lang="pt-BR" sz="2400" b="1" dirty="0">
+                <a:latin typeface="Alte Haas Grotesk" panose="02000503000000020004"/>
+              </a:rPr>
+              <a:t>Linguagens suportadas</a:t>
+            </a:r>
+          </a:p>
+          <a:p>
+            <a:pPr marL="800100" lvl="1" indent="-342900" algn="just">
+              <a:lnSpc>
+                <a:spcPct val="150000"/>
+              </a:lnSpc>
+              <a:buFont typeface="Arial" panose="020B0604020202020204" pitchFamily="34" charset="0"/>
+              <a:buChar char="•"/>
+            </a:pPr>
+            <a:r>
+              <a:rPr lang="pt-BR" sz="2400" b="0" i="0" dirty="0">
+                <a:solidFill>
+                  <a:srgbClr val="212529"/>
+                </a:solidFill>
+                <a:effectLst/>
+                <a:latin typeface="Alte Haas Grotesk" panose="02000503000000020004"/>
+              </a:rPr>
+              <a:t>Java</a:t>
+            </a:r>
+          </a:p>
+          <a:p>
+            <a:pPr marL="800100" lvl="1" indent="-342900" algn="just">
+              <a:lnSpc>
+                <a:spcPct val="150000"/>
+              </a:lnSpc>
+              <a:buFont typeface="Arial" panose="020B0604020202020204" pitchFamily="34" charset="0"/>
+              <a:buChar char="•"/>
+            </a:pPr>
+            <a:r>
+              <a:rPr lang="pt-BR" sz="2400" dirty="0">
+                <a:solidFill>
+                  <a:srgbClr val="212529"/>
+                </a:solidFill>
+                <a:latin typeface="Alte Haas Grotesk" panose="02000503000000020004"/>
+              </a:rPr>
+              <a:t>Python</a:t>
+            </a:r>
+          </a:p>
+          <a:p>
+            <a:pPr marL="800100" lvl="1" indent="-342900" algn="just">
+              <a:lnSpc>
+                <a:spcPct val="150000"/>
+              </a:lnSpc>
+              <a:buFont typeface="Arial" panose="020B0604020202020204" pitchFamily="34" charset="0"/>
+              <a:buChar char="•"/>
+            </a:pPr>
+            <a:r>
+              <a:rPr lang="pt-BR" sz="2400" dirty="0">
+                <a:solidFill>
+                  <a:srgbClr val="212529"/>
+                </a:solidFill>
+                <a:latin typeface="Alte Haas Grotesk" panose="02000503000000020004"/>
+              </a:rPr>
+              <a:t>.NET</a:t>
+            </a:r>
+            <a:endParaRPr lang="pt-BR" sz="2400" b="0" i="0" dirty="0">
+              <a:solidFill>
+                <a:srgbClr val="212529"/>
+              </a:solidFill>
+              <a:effectLst/>
+              <a:latin typeface="Alte Haas Grotesk" panose="02000503000000020004"/>
+            </a:endParaRPr>
+          </a:p>
+          <a:p>
+            <a:pPr marL="800100" lvl="1" indent="-342900" algn="just">
+              <a:lnSpc>
+                <a:spcPct val="150000"/>
+              </a:lnSpc>
+              <a:buFont typeface="Arial" panose="020B0604020202020204" pitchFamily="34" charset="0"/>
+              <a:buChar char="•"/>
+            </a:pPr>
+            <a:r>
+              <a:rPr lang="pt-BR" sz="2400" b="0" i="0" dirty="0" err="1">
+                <a:solidFill>
+                  <a:srgbClr val="212529"/>
+                </a:solidFill>
+                <a:effectLst/>
+                <a:latin typeface="Alte Haas Grotesk" panose="02000503000000020004"/>
+              </a:rPr>
+              <a:t>JavaScript</a:t>
+            </a:r>
+            <a:endParaRPr lang="pt-BR" sz="2400" b="0" i="0" dirty="0">
+              <a:solidFill>
+                <a:srgbClr val="212529"/>
+              </a:solidFill>
+              <a:effectLst/>
+              <a:latin typeface="Alte Haas Grotesk" panose="02000503000000020004"/>
+            </a:endParaRPr>
+          </a:p>
+          <a:p>
+            <a:pPr marL="800100" lvl="1" indent="-342900" algn="just">
+              <a:lnSpc>
+                <a:spcPct val="150000"/>
+              </a:lnSpc>
+              <a:buFont typeface="Arial" panose="020B0604020202020204" pitchFamily="34" charset="0"/>
+              <a:buChar char="•"/>
+            </a:pPr>
+            <a:r>
+              <a:rPr lang="pt-BR" sz="2400" dirty="0">
+                <a:solidFill>
+                  <a:srgbClr val="212529"/>
+                </a:solidFill>
+                <a:latin typeface="Alte Haas Grotesk" panose="02000503000000020004"/>
+              </a:rPr>
+              <a:t>Node.js</a:t>
+            </a:r>
+          </a:p>
+          <a:p>
+            <a:pPr marL="800100" lvl="1" indent="-342900" algn="just">
+              <a:lnSpc>
+                <a:spcPct val="150000"/>
+              </a:lnSpc>
+              <a:buFont typeface="Arial" panose="020B0604020202020204" pitchFamily="34" charset="0"/>
+              <a:buChar char="•"/>
+            </a:pPr>
+            <a:r>
+              <a:rPr lang="pt-BR" sz="2400" dirty="0">
+                <a:solidFill>
+                  <a:srgbClr val="212529"/>
+                </a:solidFill>
+                <a:latin typeface="Alte Haas Grotesk" panose="02000503000000020004"/>
+              </a:rPr>
+              <a:t>Go</a:t>
+            </a:r>
+          </a:p>
+          <a:p>
+            <a:pPr marL="800100" lvl="1" indent="-342900" algn="just">
+              <a:lnSpc>
+                <a:spcPct val="150000"/>
+              </a:lnSpc>
+              <a:buFont typeface="Arial" panose="020B0604020202020204" pitchFamily="34" charset="0"/>
+              <a:buChar char="•"/>
+            </a:pPr>
+            <a:r>
+              <a:rPr lang="pt-BR" sz="2400" b="0" i="0" dirty="0" err="1">
+                <a:solidFill>
+                  <a:srgbClr val="212529"/>
+                </a:solidFill>
+                <a:effectLst/>
+                <a:latin typeface="Alte Haas Grotesk" panose="02000503000000020004"/>
+              </a:rPr>
+              <a:t>Rust</a:t>
+            </a:r>
+            <a:endParaRPr lang="pt-BR" sz="2400" b="0" i="0" dirty="0">
+              <a:solidFill>
+                <a:srgbClr val="212529"/>
+              </a:solidFill>
+              <a:effectLst/>
+              <a:latin typeface="Alte Haas Grotesk" panose="02000503000000020004"/>
+            </a:endParaRPr>
+          </a:p>
+          <a:p>
+            <a:pPr marL="800100" lvl="1" indent="-342900" algn="just">
+              <a:lnSpc>
+                <a:spcPct val="150000"/>
+              </a:lnSpc>
+              <a:buFont typeface="Arial" panose="020B0604020202020204" pitchFamily="34" charset="0"/>
+              <a:buChar char="•"/>
+            </a:pPr>
+            <a:r>
+              <a:rPr lang="pt-BR" sz="2400" dirty="0" err="1">
+                <a:solidFill>
+                  <a:srgbClr val="212529"/>
+                </a:solidFill>
+                <a:latin typeface="Alte Haas Grotesk" panose="02000503000000020004"/>
+              </a:rPr>
+              <a:t>Erlang</a:t>
+            </a:r>
+            <a:endParaRPr lang="pt-BR" sz="2400" b="0" i="0" dirty="0">
+              <a:solidFill>
+                <a:srgbClr val="212529"/>
+              </a:solidFill>
+              <a:effectLst/>
+              <a:latin typeface="Alte Haas Grotesk" panose="02000503000000020004"/>
+            </a:endParaRPr>
+          </a:p>
+        </p:txBody>
+      </p:sp>
+    </p:spTree>
+    <p:extLst>
+      <p:ext uri="{BB962C8B-B14F-4D97-AF65-F5344CB8AC3E}">
+        <p14:creationId xmlns:p14="http://schemas.microsoft.com/office/powerpoint/2010/main" val="655430982"/>
+      </p:ext>
+    </p:extLst>
+  </p:cSld>
+  <p:clrMapOvr>
+    <a:masterClrMapping/>
+  </p:clrMapOvr>
+</p:sld>
+</file>
+
+<file path=ppt/slides/slide12.xml><?xml version="1.0" encoding="utf-8"?>
+<p:sld xmlns:a="http://schemas.openxmlformats.org/drawingml/2006/main" xmlns:r="http://schemas.openxmlformats.org/officeDocument/2006/relationships" xmlns:p="http://schemas.openxmlformats.org/presentationml/2006/main">
+  <p:cSld>
+    <p:spTree>
+      <p:nvGrpSpPr>
+        <p:cNvPr id="1" name=""/>
+        <p:cNvGrpSpPr/>
+        <p:nvPr/>
+      </p:nvGrpSpPr>
+      <p:grpSpPr>
+        <a:xfrm>
+          <a:off x="0" y="0"/>
+          <a:ext cx="0" cy="0"/>
+          <a:chOff x="0" y="0"/>
+          <a:chExt cx="0" cy="0"/>
+        </a:xfrm>
+      </p:grpSpPr>
+      <p:pic>
+        <p:nvPicPr>
+          <p:cNvPr id="8" name="Imagem 7">
+            <a:extLst>
+              <a:ext uri="{FF2B5EF4-FFF2-40B4-BE49-F238E27FC236}">
+                <a16:creationId xmlns:a16="http://schemas.microsoft.com/office/drawing/2014/main" id="{58811B2A-2EF5-75D0-E6A6-8DF630E73600}"/>
+              </a:ext>
+            </a:extLst>
+          </p:cNvPr>
+          <p:cNvPicPr>
+            <a:picLocks noChangeAspect="1"/>
+          </p:cNvPicPr>
+          <p:nvPr/>
+        </p:nvPicPr>
+        <p:blipFill>
+          <a:blip r:embed="rId2">
+            <a:extLst>
+              <a:ext uri="{28A0092B-C50C-407E-A947-70E740481C1C}">
+                <a14:useLocalDpi xmlns:a14="http://schemas.microsoft.com/office/drawing/2010/main" val="0"/>
+              </a:ext>
+            </a:extLst>
+          </a:blip>
+          <a:stretch>
+            <a:fillRect/>
+          </a:stretch>
+        </p:blipFill>
+        <p:spPr>
+          <a:xfrm>
+            <a:off x="11944" y="0"/>
+            <a:ext cx="12186584" cy="6858000"/>
+          </a:xfrm>
+          <a:prstGeom prst="rect">
+            <a:avLst/>
+          </a:prstGeom>
+        </p:spPr>
+      </p:pic>
+      <p:sp>
+        <p:nvSpPr>
+          <p:cNvPr id="7" name="CaixaDeTexto 6">
+            <a:extLst>
+              <a:ext uri="{FF2B5EF4-FFF2-40B4-BE49-F238E27FC236}">
+                <a16:creationId xmlns:a16="http://schemas.microsoft.com/office/drawing/2014/main" id="{3B9E86B4-089C-5426-0120-0EF072D18985}"/>
+              </a:ext>
+            </a:extLst>
+          </p:cNvPr>
+          <p:cNvSpPr txBox="1"/>
+          <p:nvPr/>
+        </p:nvSpPr>
+        <p:spPr>
+          <a:xfrm>
+            <a:off x="-6" y="2875002"/>
+            <a:ext cx="12192000" cy="1107996"/>
+          </a:xfrm>
+          <a:prstGeom prst="rect">
+            <a:avLst/>
+          </a:prstGeom>
+          <a:noFill/>
+        </p:spPr>
+        <p:txBody>
+          <a:bodyPr wrap="square" rtlCol="0">
+            <a:spAutoFit/>
+          </a:bodyPr>
+          <a:lstStyle/>
+          <a:p>
+            <a:pPr algn="ctr"/>
+            <a:r>
+              <a:rPr lang="pt-BR" sz="6600" b="1" dirty="0">
+                <a:solidFill>
+                  <a:srgbClr val="D2AE6D"/>
+                </a:solidFill>
+                <a:latin typeface="Alte Haas Grotesk" panose="02000503000000020004" pitchFamily="2" charset="0"/>
+              </a:rPr>
+              <a:t>DEMO</a:t>
+            </a:r>
+          </a:p>
+        </p:txBody>
+      </p:sp>
+    </p:spTree>
+    <p:extLst>
+      <p:ext uri="{BB962C8B-B14F-4D97-AF65-F5344CB8AC3E}">
+        <p14:creationId xmlns:p14="http://schemas.microsoft.com/office/powerpoint/2010/main" val="1468137524"/>
+      </p:ext>
+    </p:extLst>
+  </p:cSld>
+  <p:clrMapOvr>
+    <a:masterClrMapping/>
+  </p:clrMapOvr>
+</p:sld>
+</file>
+
+<file path=ppt/slides/slide13.xml><?xml version="1.0" encoding="utf-8"?>
+<p:sld xmlns:a="http://schemas.openxmlformats.org/drawingml/2006/main" xmlns:r="http://schemas.openxmlformats.org/officeDocument/2006/relationships" xmlns:p="http://schemas.openxmlformats.org/presentationml/2006/main">
+  <p:cSld>
+    <p:spTree>
+      <p:nvGrpSpPr>
+        <p:cNvPr id="1" name=""/>
+        <p:cNvGrpSpPr/>
+        <p:nvPr/>
+      </p:nvGrpSpPr>
+      <p:grpSpPr>
+        <a:xfrm>
+          <a:off x="0" y="0"/>
+          <a:ext cx="0" cy="0"/>
+          <a:chOff x="0" y="0"/>
+          <a:chExt cx="0" cy="0"/>
+        </a:xfrm>
+      </p:grpSpPr>
+      <p:pic>
+        <p:nvPicPr>
+          <p:cNvPr id="5" name="Imagem 4">
+            <a:extLst>
+              <a:ext uri="{FF2B5EF4-FFF2-40B4-BE49-F238E27FC236}">
+                <a16:creationId xmlns:a16="http://schemas.microsoft.com/office/drawing/2014/main" id="{F3DE8E78-16EA-A76F-D718-FE2DDF48ECB3}"/>
+              </a:ext>
+            </a:extLst>
+          </p:cNvPr>
+          <p:cNvPicPr>
+            <a:picLocks noChangeAspect="1"/>
+          </p:cNvPicPr>
+          <p:nvPr/>
+        </p:nvPicPr>
+        <p:blipFill>
+          <a:blip r:embed="rId2">
+            <a:extLst>
+              <a:ext uri="{28A0092B-C50C-407E-A947-70E740481C1C}">
+                <a14:useLocalDpi xmlns:a14="http://schemas.microsoft.com/office/drawing/2010/main" val="0"/>
+              </a:ext>
+            </a:extLst>
+          </a:blip>
+          <a:stretch>
+            <a:fillRect/>
+          </a:stretch>
+        </p:blipFill>
+        <p:spPr>
+          <a:xfrm>
+            <a:off x="0" y="428"/>
+            <a:ext cx="12192000" cy="6857143"/>
+          </a:xfrm>
+          <a:prstGeom prst="rect">
+            <a:avLst/>
+          </a:prstGeom>
+        </p:spPr>
+      </p:pic>
+      <p:sp>
+        <p:nvSpPr>
+          <p:cNvPr id="2" name="CaixaDeTexto 1">
+            <a:extLst>
+              <a:ext uri="{FF2B5EF4-FFF2-40B4-BE49-F238E27FC236}">
+                <a16:creationId xmlns:a16="http://schemas.microsoft.com/office/drawing/2014/main" id="{9DF504D8-88BE-8D0A-EB1C-7FAB11ACAD4F}"/>
+              </a:ext>
+            </a:extLst>
+          </p:cNvPr>
+          <p:cNvSpPr txBox="1"/>
+          <p:nvPr/>
+        </p:nvSpPr>
+        <p:spPr>
+          <a:xfrm>
+            <a:off x="0" y="2708281"/>
+            <a:ext cx="12192000" cy="1107996"/>
+          </a:xfrm>
+          <a:prstGeom prst="rect">
+            <a:avLst/>
+          </a:prstGeom>
+          <a:noFill/>
+        </p:spPr>
+        <p:txBody>
+          <a:bodyPr wrap="square" rtlCol="0">
+            <a:spAutoFit/>
+          </a:bodyPr>
+          <a:lstStyle/>
+          <a:p>
+            <a:pPr algn="ctr"/>
+            <a:r>
+              <a:rPr lang="pt-BR" sz="6600" b="1" dirty="0">
+                <a:solidFill>
+                  <a:srgbClr val="D2AE6D"/>
+                </a:solidFill>
+                <a:latin typeface="Alte Haas Grotesk" panose="02000503000000020004" pitchFamily="2" charset="0"/>
+              </a:rPr>
+              <a:t>OBRIGADO!</a:t>
+            </a:r>
+          </a:p>
+        </p:txBody>
+      </p:sp>
+    </p:spTree>
+    <p:extLst>
+      <p:ext uri="{BB962C8B-B14F-4D97-AF65-F5344CB8AC3E}">
+        <p14:creationId xmlns:p14="http://schemas.microsoft.com/office/powerpoint/2010/main" val="2020865782"/>
       </p:ext>
     </p:extLst>
   </p:cSld>
@@ -3444,10 +4399,10 @@
       </p:grpSpPr>
       <p:pic>
         <p:nvPicPr>
-          <p:cNvPr id="5" name="Imagem 4">
-            <a:extLst>
-              <a:ext uri="{FF2B5EF4-FFF2-40B4-BE49-F238E27FC236}">
-                <a16:creationId xmlns:a16="http://schemas.microsoft.com/office/drawing/2014/main" id="{7D661207-A1EC-F558-0426-517C7AD0B474}"/>
+          <p:cNvPr id="8" name="Imagem 7">
+            <a:extLst>
+              <a:ext uri="{FF2B5EF4-FFF2-40B4-BE49-F238E27FC236}">
+                <a16:creationId xmlns:a16="http://schemas.microsoft.com/office/drawing/2014/main" id="{58811B2A-2EF5-75D0-E6A6-8DF630E73600}"/>
               </a:ext>
             </a:extLst>
           </p:cNvPr>
@@ -3480,10 +4435,10 @@
       </p:pic>
       <p:sp>
         <p:nvSpPr>
-          <p:cNvPr id="4" name="CaixaDeTexto 3">
-            <a:extLst>
-              <a:ext uri="{FF2B5EF4-FFF2-40B4-BE49-F238E27FC236}">
-                <a16:creationId xmlns:a16="http://schemas.microsoft.com/office/drawing/2014/main" id="{D7516A1B-472A-CC45-FC61-E40B6993AD52}"/>
+          <p:cNvPr id="6" name="CaixaDeTexto 5">
+            <a:extLst>
+              <a:ext uri="{FF2B5EF4-FFF2-40B4-BE49-F238E27FC236}">
+                <a16:creationId xmlns:a16="http://schemas.microsoft.com/office/drawing/2014/main" id="{95A45216-2EBC-9A81-66AD-DB4905FD3FD2}"/>
               </a:ext>
             </a:extLst>
           </p:cNvPr>
@@ -3492,8 +4447,8 @@
         </p:nvSpPr>
         <p:spPr>
           <a:xfrm>
-            <a:off x="0" y="282091"/>
-            <a:ext cx="12186584" cy="646331"/>
+            <a:off x="1357747" y="2769909"/>
+            <a:ext cx="10141526" cy="1318181"/>
           </a:xfrm>
           <a:prstGeom prst="rect">
             <a:avLst/>
@@ -3506,16 +4461,33 @@
           </a:bodyPr>
           <a:lstStyle/>
           <a:p>
-            <a:pPr algn="ctr"/>
-            <a:r>
-              <a:rPr lang="pt-BR" sz="3600" b="1" dirty="0">
+            <a:pPr algn="just">
+              <a:lnSpc>
+                <a:spcPct val="150000"/>
+              </a:lnSpc>
+            </a:pPr>
+            <a:r>
+              <a:rPr lang="pt-BR" sz="2800" dirty="0">
                 <a:solidFill>
-                  <a:srgbClr val="D2AE6D"/>
+                  <a:srgbClr val="212529"/>
                 </a:solidFill>
-                <a:latin typeface="Alte Haas Grotesk" panose="02000503000000020004" pitchFamily="2" charset="0"/>
-              </a:rPr>
-              <a:t>AGENDA</a:t>
-            </a:r>
+                <a:latin typeface="Alte Haas Grotesk" panose="02000503000000020004"/>
+              </a:rPr>
+              <a:t>“</a:t>
+            </a:r>
+            <a:r>
+              <a:rPr lang="pt-BR" sz="2800" dirty="0">
+                <a:latin typeface="Alte Haas Grotesk" panose="02000503000000020004"/>
+              </a:rPr>
+              <a:t>Se refere à capacidade de entender o desempenho de uma aplicação com base em dados de saída, ou telemetria”</a:t>
+            </a:r>
+            <a:endParaRPr lang="pt-BR" sz="2800" b="0" i="0" dirty="0">
+              <a:solidFill>
+                <a:srgbClr val="212529"/>
+              </a:solidFill>
+              <a:effectLst/>
+              <a:latin typeface="Alte Haas Grotesk" panose="02000503000000020004"/>
+            </a:endParaRPr>
           </a:p>
         </p:txBody>
       </p:sp>
@@ -3524,7 +4496,7 @@
           <p:cNvPr id="7" name="CaixaDeTexto 6">
             <a:extLst>
               <a:ext uri="{FF2B5EF4-FFF2-40B4-BE49-F238E27FC236}">
-                <a16:creationId xmlns:a16="http://schemas.microsoft.com/office/drawing/2014/main" id="{EA1FA2E8-6307-41D4-7F96-B0E2D7D0FD15}"/>
+                <a16:creationId xmlns:a16="http://schemas.microsoft.com/office/drawing/2014/main" id="{3B9E86B4-089C-5426-0120-0EF072D18985}"/>
               </a:ext>
             </a:extLst>
           </p:cNvPr>
@@ -3533,8 +4505,8 @@
         </p:nvSpPr>
         <p:spPr>
           <a:xfrm>
-            <a:off x="2673291" y="1210513"/>
-            <a:ext cx="6845418" cy="3738331"/>
+            <a:off x="0" y="282091"/>
+            <a:ext cx="12192000" cy="646331"/>
           </a:xfrm>
           <a:prstGeom prst="rect">
             <a:avLst/>
@@ -3547,1188 +4519,15 @@
           </a:bodyPr>
           <a:lstStyle/>
           <a:p>
-            <a:pPr marL="285750" indent="-285750" algn="just">
-              <a:lnSpc>
-                <a:spcPct val="150000"/>
-              </a:lnSpc>
-              <a:buFont typeface="Arial" panose="020B0604020202020204" pitchFamily="34" charset="0"/>
-              <a:buChar char="•"/>
-            </a:pPr>
-            <a:r>
-              <a:rPr lang="pt-BR" sz="1600" b="0" i="0" dirty="0" err="1">
+            <a:pPr algn="ctr"/>
+            <a:r>
+              <a:rPr lang="pt-BR" sz="3600" b="1" dirty="0">
                 <a:solidFill>
-                  <a:schemeClr val="tx1">
-                    <a:lumMod val="75000"/>
-                    <a:lumOff val="25000"/>
-                  </a:schemeClr>
+                  <a:srgbClr val="D2AE6D"/>
                 </a:solidFill>
-                <a:effectLst/>
                 <a:latin typeface="Alte Haas Grotesk" panose="02000503000000020004" pitchFamily="2" charset="0"/>
               </a:rPr>
-              <a:t>Lorem</a:t>
-            </a:r>
-            <a:r>
-              <a:rPr lang="pt-BR" sz="1600" b="0" i="0" dirty="0">
-                <a:solidFill>
-                  <a:schemeClr val="tx1">
-                    <a:lumMod val="75000"/>
-                    <a:lumOff val="25000"/>
-                  </a:schemeClr>
-                </a:solidFill>
-                <a:effectLst/>
-                <a:latin typeface="Alte Haas Grotesk" panose="02000503000000020004" pitchFamily="2" charset="0"/>
-              </a:rPr>
-              <a:t> ipsum </a:t>
-            </a:r>
-            <a:r>
-              <a:rPr lang="pt-BR" sz="1600" b="0" i="0" dirty="0" err="1">
-                <a:solidFill>
-                  <a:schemeClr val="tx1">
-                    <a:lumMod val="75000"/>
-                    <a:lumOff val="25000"/>
-                  </a:schemeClr>
-                </a:solidFill>
-                <a:effectLst/>
-                <a:latin typeface="Alte Haas Grotesk" panose="02000503000000020004" pitchFamily="2" charset="0"/>
-              </a:rPr>
-              <a:t>dolor</a:t>
-            </a:r>
-            <a:r>
-              <a:rPr lang="pt-BR" sz="1600" b="0" i="0" dirty="0">
-                <a:solidFill>
-                  <a:schemeClr val="tx1">
-                    <a:lumMod val="75000"/>
-                    <a:lumOff val="25000"/>
-                  </a:schemeClr>
-                </a:solidFill>
-                <a:effectLst/>
-                <a:latin typeface="Alte Haas Grotesk" panose="02000503000000020004" pitchFamily="2" charset="0"/>
-              </a:rPr>
-              <a:t> </a:t>
-            </a:r>
-            <a:r>
-              <a:rPr lang="pt-BR" sz="1600" b="0" i="0" dirty="0" err="1">
-                <a:solidFill>
-                  <a:schemeClr val="tx1">
-                    <a:lumMod val="75000"/>
-                    <a:lumOff val="25000"/>
-                  </a:schemeClr>
-                </a:solidFill>
-                <a:effectLst/>
-                <a:latin typeface="Alte Haas Grotesk" panose="02000503000000020004" pitchFamily="2" charset="0"/>
-              </a:rPr>
-              <a:t>sit</a:t>
-            </a:r>
-            <a:r>
-              <a:rPr lang="pt-BR" sz="1600" b="0" i="0" dirty="0">
-                <a:solidFill>
-                  <a:schemeClr val="tx1">
-                    <a:lumMod val="75000"/>
-                    <a:lumOff val="25000"/>
-                  </a:schemeClr>
-                </a:solidFill>
-                <a:effectLst/>
-                <a:latin typeface="Alte Haas Grotesk" panose="02000503000000020004" pitchFamily="2" charset="0"/>
-              </a:rPr>
-              <a:t> </a:t>
-            </a:r>
-            <a:r>
-              <a:rPr lang="pt-BR" sz="1600" b="0" i="0" dirty="0" err="1">
-                <a:solidFill>
-                  <a:schemeClr val="tx1">
-                    <a:lumMod val="75000"/>
-                    <a:lumOff val="25000"/>
-                  </a:schemeClr>
-                </a:solidFill>
-                <a:effectLst/>
-                <a:latin typeface="Alte Haas Grotesk" panose="02000503000000020004" pitchFamily="2" charset="0"/>
-              </a:rPr>
-              <a:t>amet</a:t>
-            </a:r>
-            <a:r>
-              <a:rPr lang="pt-BR" sz="1600" b="0" i="0" dirty="0">
-                <a:solidFill>
-                  <a:schemeClr val="tx1">
-                    <a:lumMod val="75000"/>
-                    <a:lumOff val="25000"/>
-                  </a:schemeClr>
-                </a:solidFill>
-                <a:effectLst/>
-                <a:latin typeface="Alte Haas Grotesk" panose="02000503000000020004" pitchFamily="2" charset="0"/>
-              </a:rPr>
-              <a:t>. </a:t>
-            </a:r>
-          </a:p>
-          <a:p>
-            <a:pPr marL="285750" indent="-285750" algn="just">
-              <a:lnSpc>
-                <a:spcPct val="150000"/>
-              </a:lnSpc>
-              <a:buFont typeface="Arial" panose="020B0604020202020204" pitchFamily="34" charset="0"/>
-              <a:buChar char="•"/>
-            </a:pPr>
-            <a:r>
-              <a:rPr lang="pt-BR" sz="1600" b="0" i="0" dirty="0">
-                <a:solidFill>
-                  <a:schemeClr val="tx1">
-                    <a:lumMod val="75000"/>
-                    <a:lumOff val="25000"/>
-                  </a:schemeClr>
-                </a:solidFill>
-                <a:effectLst/>
-                <a:latin typeface="Alte Haas Grotesk" panose="02000503000000020004" pitchFamily="2" charset="0"/>
-              </a:rPr>
-              <a:t>Aut </a:t>
-            </a:r>
-            <a:r>
-              <a:rPr lang="pt-BR" sz="1600" b="0" i="0" dirty="0" err="1">
-                <a:solidFill>
-                  <a:schemeClr val="tx1">
-                    <a:lumMod val="75000"/>
-                    <a:lumOff val="25000"/>
-                  </a:schemeClr>
-                </a:solidFill>
-                <a:effectLst/>
-                <a:latin typeface="Alte Haas Grotesk" panose="02000503000000020004" pitchFamily="2" charset="0"/>
-              </a:rPr>
-              <a:t>voluptas</a:t>
-            </a:r>
-            <a:r>
-              <a:rPr lang="pt-BR" sz="1600" b="0" i="0" dirty="0">
-                <a:solidFill>
-                  <a:schemeClr val="tx1">
-                    <a:lumMod val="75000"/>
-                    <a:lumOff val="25000"/>
-                  </a:schemeClr>
-                </a:solidFill>
-                <a:effectLst/>
-                <a:latin typeface="Alte Haas Grotesk" panose="02000503000000020004" pitchFamily="2" charset="0"/>
-              </a:rPr>
-              <a:t> </a:t>
-            </a:r>
-            <a:r>
-              <a:rPr lang="pt-BR" sz="1600" b="0" i="0" dirty="0" err="1">
-                <a:solidFill>
-                  <a:schemeClr val="tx1">
-                    <a:lumMod val="75000"/>
-                    <a:lumOff val="25000"/>
-                  </a:schemeClr>
-                </a:solidFill>
-                <a:effectLst/>
-                <a:latin typeface="Alte Haas Grotesk" panose="02000503000000020004" pitchFamily="2" charset="0"/>
-              </a:rPr>
-              <a:t>rerum</a:t>
-            </a:r>
-            <a:r>
-              <a:rPr lang="pt-BR" sz="1600" b="0" i="0" dirty="0">
-                <a:solidFill>
-                  <a:schemeClr val="tx1">
-                    <a:lumMod val="75000"/>
-                    <a:lumOff val="25000"/>
-                  </a:schemeClr>
-                </a:solidFill>
-                <a:effectLst/>
-                <a:latin typeface="Alte Haas Grotesk" panose="02000503000000020004" pitchFamily="2" charset="0"/>
-              </a:rPr>
-              <a:t> et </a:t>
-            </a:r>
-            <a:r>
-              <a:rPr lang="pt-BR" sz="1600" b="0" i="0" dirty="0" err="1">
-                <a:solidFill>
-                  <a:schemeClr val="tx1">
-                    <a:lumMod val="75000"/>
-                    <a:lumOff val="25000"/>
-                  </a:schemeClr>
-                </a:solidFill>
-                <a:effectLst/>
-                <a:latin typeface="Alte Haas Grotesk" panose="02000503000000020004" pitchFamily="2" charset="0"/>
-              </a:rPr>
-              <a:t>molestiae</a:t>
-            </a:r>
-            <a:r>
-              <a:rPr lang="pt-BR" sz="1600" b="0" i="0" dirty="0">
-                <a:solidFill>
-                  <a:schemeClr val="tx1">
-                    <a:lumMod val="75000"/>
-                    <a:lumOff val="25000"/>
-                  </a:schemeClr>
-                </a:solidFill>
-                <a:effectLst/>
-                <a:latin typeface="Alte Haas Grotesk" panose="02000503000000020004" pitchFamily="2" charset="0"/>
-              </a:rPr>
-              <a:t> </a:t>
-            </a:r>
-            <a:r>
-              <a:rPr lang="pt-BR" sz="1600" b="0" i="0" dirty="0" err="1">
-                <a:solidFill>
-                  <a:schemeClr val="tx1">
-                    <a:lumMod val="75000"/>
-                    <a:lumOff val="25000"/>
-                  </a:schemeClr>
-                </a:solidFill>
-                <a:effectLst/>
-                <a:latin typeface="Alte Haas Grotesk" panose="02000503000000020004" pitchFamily="2" charset="0"/>
-              </a:rPr>
-              <a:t>minus</a:t>
-            </a:r>
-            <a:r>
-              <a:rPr lang="pt-BR" sz="1600" b="0" i="0" dirty="0">
-                <a:solidFill>
-                  <a:schemeClr val="tx1">
-                    <a:lumMod val="75000"/>
-                    <a:lumOff val="25000"/>
-                  </a:schemeClr>
-                </a:solidFill>
-                <a:effectLst/>
-                <a:latin typeface="Alte Haas Grotesk" panose="02000503000000020004" pitchFamily="2" charset="0"/>
-              </a:rPr>
-              <a:t> in </a:t>
-            </a:r>
-            <a:r>
-              <a:rPr lang="pt-BR" sz="1600" b="0" i="0" dirty="0" err="1">
-                <a:solidFill>
-                  <a:schemeClr val="tx1">
-                    <a:lumMod val="75000"/>
-                    <a:lumOff val="25000"/>
-                  </a:schemeClr>
-                </a:solidFill>
-                <a:effectLst/>
-                <a:latin typeface="Alte Haas Grotesk" panose="02000503000000020004" pitchFamily="2" charset="0"/>
-              </a:rPr>
-              <a:t>itaque</a:t>
-            </a:r>
-            <a:r>
-              <a:rPr lang="pt-BR" sz="1600" b="0" i="0" dirty="0">
-                <a:solidFill>
-                  <a:schemeClr val="tx1">
-                    <a:lumMod val="75000"/>
-                    <a:lumOff val="25000"/>
-                  </a:schemeClr>
-                </a:solidFill>
-                <a:effectLst/>
-                <a:latin typeface="Alte Haas Grotesk" panose="02000503000000020004" pitchFamily="2" charset="0"/>
-              </a:rPr>
-              <a:t> </a:t>
-            </a:r>
-            <a:r>
-              <a:rPr lang="pt-BR" sz="1600" b="0" i="0" dirty="0" err="1">
-                <a:solidFill>
-                  <a:schemeClr val="tx1">
-                    <a:lumMod val="75000"/>
-                    <a:lumOff val="25000"/>
-                  </a:schemeClr>
-                </a:solidFill>
-                <a:effectLst/>
-                <a:latin typeface="Alte Haas Grotesk" panose="02000503000000020004" pitchFamily="2" charset="0"/>
-              </a:rPr>
-              <a:t>natus</a:t>
-            </a:r>
-            <a:r>
-              <a:rPr lang="pt-BR" sz="1600" b="0" i="0" dirty="0">
-                <a:solidFill>
-                  <a:schemeClr val="tx1">
-                    <a:lumMod val="75000"/>
-                    <a:lumOff val="25000"/>
-                  </a:schemeClr>
-                </a:solidFill>
-                <a:effectLst/>
-                <a:latin typeface="Alte Haas Grotesk" panose="02000503000000020004" pitchFamily="2" charset="0"/>
-              </a:rPr>
-              <a:t> est </a:t>
-            </a:r>
-            <a:r>
-              <a:rPr lang="pt-BR" sz="1600" b="0" i="0" dirty="0" err="1">
-                <a:solidFill>
-                  <a:schemeClr val="tx1">
-                    <a:lumMod val="75000"/>
-                    <a:lumOff val="25000"/>
-                  </a:schemeClr>
-                </a:solidFill>
-                <a:effectLst/>
-                <a:latin typeface="Alte Haas Grotesk" panose="02000503000000020004" pitchFamily="2" charset="0"/>
-              </a:rPr>
-              <a:t>doloremque</a:t>
-            </a:r>
-            <a:r>
-              <a:rPr lang="pt-BR" sz="1600" b="0" i="0" dirty="0">
-                <a:solidFill>
-                  <a:schemeClr val="tx1">
-                    <a:lumMod val="75000"/>
-                    <a:lumOff val="25000"/>
-                  </a:schemeClr>
-                </a:solidFill>
-                <a:effectLst/>
-                <a:latin typeface="Alte Haas Grotesk" panose="02000503000000020004" pitchFamily="2" charset="0"/>
-              </a:rPr>
-              <a:t> </a:t>
-            </a:r>
-            <a:r>
-              <a:rPr lang="pt-BR" sz="1600" b="0" i="0" dirty="0" err="1">
-                <a:solidFill>
-                  <a:schemeClr val="tx1">
-                    <a:lumMod val="75000"/>
-                    <a:lumOff val="25000"/>
-                  </a:schemeClr>
-                </a:solidFill>
-                <a:effectLst/>
-                <a:latin typeface="Alte Haas Grotesk" panose="02000503000000020004" pitchFamily="2" charset="0"/>
-              </a:rPr>
-              <a:t>ducimus</a:t>
-            </a:r>
-            <a:r>
-              <a:rPr lang="pt-BR" sz="1600" b="0" i="0" dirty="0">
-                <a:solidFill>
-                  <a:schemeClr val="tx1">
-                    <a:lumMod val="75000"/>
-                    <a:lumOff val="25000"/>
-                  </a:schemeClr>
-                </a:solidFill>
-                <a:effectLst/>
-                <a:latin typeface="Alte Haas Grotesk" panose="02000503000000020004" pitchFamily="2" charset="0"/>
-              </a:rPr>
-              <a:t>. </a:t>
-            </a:r>
-          </a:p>
-          <a:p>
-            <a:pPr marL="285750" indent="-285750" algn="just">
-              <a:lnSpc>
-                <a:spcPct val="150000"/>
-              </a:lnSpc>
-              <a:buFont typeface="Arial" panose="020B0604020202020204" pitchFamily="34" charset="0"/>
-              <a:buChar char="•"/>
-            </a:pPr>
-            <a:r>
-              <a:rPr lang="pt-BR" sz="1600" b="0" i="0" dirty="0">
-                <a:solidFill>
-                  <a:schemeClr val="tx1">
-                    <a:lumMod val="75000"/>
-                    <a:lumOff val="25000"/>
-                  </a:schemeClr>
-                </a:solidFill>
-                <a:effectLst/>
-                <a:latin typeface="Alte Haas Grotesk" panose="02000503000000020004" pitchFamily="2" charset="0"/>
-              </a:rPr>
-              <a:t>Et </a:t>
-            </a:r>
-            <a:r>
-              <a:rPr lang="pt-BR" sz="1600" b="0" i="0" dirty="0" err="1">
-                <a:solidFill>
-                  <a:schemeClr val="tx1">
-                    <a:lumMod val="75000"/>
-                    <a:lumOff val="25000"/>
-                  </a:schemeClr>
-                </a:solidFill>
-                <a:effectLst/>
-                <a:latin typeface="Alte Haas Grotesk" panose="02000503000000020004" pitchFamily="2" charset="0"/>
-              </a:rPr>
-              <a:t>quos</a:t>
-            </a:r>
-            <a:r>
-              <a:rPr lang="pt-BR" sz="1600" b="0" i="0" dirty="0">
-                <a:solidFill>
-                  <a:schemeClr val="tx1">
-                    <a:lumMod val="75000"/>
-                    <a:lumOff val="25000"/>
-                  </a:schemeClr>
-                </a:solidFill>
-                <a:effectLst/>
-                <a:latin typeface="Alte Haas Grotesk" panose="02000503000000020004" pitchFamily="2" charset="0"/>
-              </a:rPr>
-              <a:t> </a:t>
-            </a:r>
-            <a:r>
-              <a:rPr lang="pt-BR" sz="1600" b="0" i="0" dirty="0" err="1">
-                <a:solidFill>
-                  <a:schemeClr val="tx1">
-                    <a:lumMod val="75000"/>
-                    <a:lumOff val="25000"/>
-                  </a:schemeClr>
-                </a:solidFill>
-                <a:effectLst/>
-                <a:latin typeface="Alte Haas Grotesk" panose="02000503000000020004" pitchFamily="2" charset="0"/>
-              </a:rPr>
-              <a:t>neque</a:t>
-            </a:r>
-            <a:r>
-              <a:rPr lang="pt-BR" sz="1600" b="0" i="0" dirty="0">
-                <a:solidFill>
-                  <a:schemeClr val="tx1">
-                    <a:lumMod val="75000"/>
-                    <a:lumOff val="25000"/>
-                  </a:schemeClr>
-                </a:solidFill>
-                <a:effectLst/>
-                <a:latin typeface="Alte Haas Grotesk" panose="02000503000000020004" pitchFamily="2" charset="0"/>
-              </a:rPr>
-              <a:t> rem omnis </a:t>
-            </a:r>
-            <a:r>
-              <a:rPr lang="pt-BR" sz="1600" b="0" i="0" dirty="0" err="1">
-                <a:solidFill>
-                  <a:schemeClr val="tx1">
-                    <a:lumMod val="75000"/>
-                    <a:lumOff val="25000"/>
-                  </a:schemeClr>
-                </a:solidFill>
-                <a:effectLst/>
-                <a:latin typeface="Alte Haas Grotesk" panose="02000503000000020004" pitchFamily="2" charset="0"/>
-              </a:rPr>
-              <a:t>similique</a:t>
-            </a:r>
-            <a:r>
-              <a:rPr lang="pt-BR" sz="1600" b="0" i="0" dirty="0">
-                <a:solidFill>
-                  <a:schemeClr val="tx1">
-                    <a:lumMod val="75000"/>
-                    <a:lumOff val="25000"/>
-                  </a:schemeClr>
-                </a:solidFill>
-                <a:effectLst/>
-                <a:latin typeface="Alte Haas Grotesk" panose="02000503000000020004" pitchFamily="2" charset="0"/>
-              </a:rPr>
-              <a:t> et </a:t>
-            </a:r>
-            <a:r>
-              <a:rPr lang="pt-BR" sz="1600" b="0" i="0" dirty="0" err="1">
-                <a:solidFill>
-                  <a:schemeClr val="tx1">
-                    <a:lumMod val="75000"/>
-                    <a:lumOff val="25000"/>
-                  </a:schemeClr>
-                </a:solidFill>
-                <a:effectLst/>
-                <a:latin typeface="Alte Haas Grotesk" panose="02000503000000020004" pitchFamily="2" charset="0"/>
-              </a:rPr>
-              <a:t>repudiandae</a:t>
-            </a:r>
-            <a:r>
-              <a:rPr lang="pt-BR" sz="1600" b="0" i="0" dirty="0">
-                <a:solidFill>
-                  <a:schemeClr val="tx1">
-                    <a:lumMod val="75000"/>
-                    <a:lumOff val="25000"/>
-                  </a:schemeClr>
-                </a:solidFill>
-                <a:effectLst/>
-                <a:latin typeface="Alte Haas Grotesk" panose="02000503000000020004" pitchFamily="2" charset="0"/>
-              </a:rPr>
-              <a:t> autem </a:t>
-            </a:r>
-            <a:r>
-              <a:rPr lang="pt-BR" sz="1600" b="0" i="0" dirty="0" err="1">
-                <a:solidFill>
-                  <a:schemeClr val="tx1">
-                    <a:lumMod val="75000"/>
-                    <a:lumOff val="25000"/>
-                  </a:schemeClr>
-                </a:solidFill>
-                <a:effectLst/>
-                <a:latin typeface="Alte Haas Grotesk" panose="02000503000000020004" pitchFamily="2" charset="0"/>
-              </a:rPr>
-              <a:t>aut</a:t>
-            </a:r>
-            <a:r>
-              <a:rPr lang="pt-BR" sz="1600" b="0" i="0" dirty="0">
-                <a:solidFill>
-                  <a:schemeClr val="tx1">
-                    <a:lumMod val="75000"/>
-                    <a:lumOff val="25000"/>
-                  </a:schemeClr>
-                </a:solidFill>
-                <a:effectLst/>
-                <a:latin typeface="Alte Haas Grotesk" panose="02000503000000020004" pitchFamily="2" charset="0"/>
-              </a:rPr>
-              <a:t> </a:t>
-            </a:r>
-            <a:r>
-              <a:rPr lang="pt-BR" sz="1600" b="0" i="0" dirty="0" err="1">
-                <a:solidFill>
-                  <a:schemeClr val="tx1">
-                    <a:lumMod val="75000"/>
-                    <a:lumOff val="25000"/>
-                  </a:schemeClr>
-                </a:solidFill>
-                <a:effectLst/>
-                <a:latin typeface="Alte Haas Grotesk" panose="02000503000000020004" pitchFamily="2" charset="0"/>
-              </a:rPr>
-              <a:t>inventore</a:t>
-            </a:r>
-            <a:r>
-              <a:rPr lang="pt-BR" sz="1600" b="0" i="0" dirty="0">
-                <a:solidFill>
-                  <a:schemeClr val="tx1">
-                    <a:lumMod val="75000"/>
-                    <a:lumOff val="25000"/>
-                  </a:schemeClr>
-                </a:solidFill>
-                <a:effectLst/>
-                <a:latin typeface="Alte Haas Grotesk" panose="02000503000000020004" pitchFamily="2" charset="0"/>
-              </a:rPr>
-              <a:t> </a:t>
-            </a:r>
-            <a:r>
-              <a:rPr lang="pt-BR" sz="1600" b="0" i="0" dirty="0" err="1">
-                <a:solidFill>
-                  <a:schemeClr val="tx1">
-                    <a:lumMod val="75000"/>
-                    <a:lumOff val="25000"/>
-                  </a:schemeClr>
-                </a:solidFill>
-                <a:effectLst/>
-                <a:latin typeface="Alte Haas Grotesk" panose="02000503000000020004" pitchFamily="2" charset="0"/>
-              </a:rPr>
-              <a:t>corporis</a:t>
-            </a:r>
-            <a:r>
-              <a:rPr lang="pt-BR" sz="1600" b="0" i="0" dirty="0">
-                <a:solidFill>
-                  <a:schemeClr val="tx1">
-                    <a:lumMod val="75000"/>
-                    <a:lumOff val="25000"/>
-                  </a:schemeClr>
-                </a:solidFill>
-                <a:effectLst/>
-                <a:latin typeface="Alte Haas Grotesk" panose="02000503000000020004" pitchFamily="2" charset="0"/>
-              </a:rPr>
-              <a:t> et </a:t>
-            </a:r>
-            <a:r>
-              <a:rPr lang="pt-BR" sz="1600" b="0" i="0" dirty="0" err="1">
-                <a:solidFill>
-                  <a:schemeClr val="tx1">
-                    <a:lumMod val="75000"/>
-                    <a:lumOff val="25000"/>
-                  </a:schemeClr>
-                </a:solidFill>
-                <a:effectLst/>
-                <a:latin typeface="Alte Haas Grotesk" panose="02000503000000020004" pitchFamily="2" charset="0"/>
-              </a:rPr>
-              <a:t>accusantium</a:t>
-            </a:r>
-            <a:r>
-              <a:rPr lang="pt-BR" sz="1600" b="0" i="0" dirty="0">
-                <a:solidFill>
-                  <a:schemeClr val="tx1">
-                    <a:lumMod val="75000"/>
-                    <a:lumOff val="25000"/>
-                  </a:schemeClr>
-                </a:solidFill>
-                <a:effectLst/>
-                <a:latin typeface="Alte Haas Grotesk" panose="02000503000000020004" pitchFamily="2" charset="0"/>
-              </a:rPr>
-              <a:t> expedita. </a:t>
-            </a:r>
-          </a:p>
-          <a:p>
-            <a:pPr marL="285750" indent="-285750" algn="just">
-              <a:lnSpc>
-                <a:spcPct val="150000"/>
-              </a:lnSpc>
-              <a:buFont typeface="Arial" panose="020B0604020202020204" pitchFamily="34" charset="0"/>
-              <a:buChar char="•"/>
-            </a:pPr>
-            <a:r>
-              <a:rPr lang="pt-BR" sz="1600" b="0" i="0" dirty="0">
-                <a:solidFill>
-                  <a:schemeClr val="tx1">
-                    <a:lumMod val="75000"/>
-                    <a:lumOff val="25000"/>
-                  </a:schemeClr>
-                </a:solidFill>
-                <a:effectLst/>
-                <a:latin typeface="Alte Haas Grotesk" panose="02000503000000020004" pitchFamily="2" charset="0"/>
-              </a:rPr>
-              <a:t>Aut </a:t>
-            </a:r>
-            <a:r>
-              <a:rPr lang="pt-BR" sz="1600" b="0" i="0" dirty="0" err="1">
-                <a:solidFill>
-                  <a:schemeClr val="tx1">
-                    <a:lumMod val="75000"/>
-                    <a:lumOff val="25000"/>
-                  </a:schemeClr>
-                </a:solidFill>
-                <a:effectLst/>
-                <a:latin typeface="Alte Haas Grotesk" panose="02000503000000020004" pitchFamily="2" charset="0"/>
-              </a:rPr>
-              <a:t>voluptate</a:t>
-            </a:r>
-            <a:r>
-              <a:rPr lang="pt-BR" sz="1600" b="0" i="0" dirty="0">
-                <a:solidFill>
-                  <a:schemeClr val="tx1">
-                    <a:lumMod val="75000"/>
-                    <a:lumOff val="25000"/>
-                  </a:schemeClr>
-                </a:solidFill>
-                <a:effectLst/>
-                <a:latin typeface="Alte Haas Grotesk" panose="02000503000000020004" pitchFamily="2" charset="0"/>
-              </a:rPr>
-              <a:t> </a:t>
-            </a:r>
-            <a:r>
-              <a:rPr lang="pt-BR" sz="1600" b="0" i="0" dirty="0" err="1">
-                <a:solidFill>
-                  <a:schemeClr val="tx1">
-                    <a:lumMod val="75000"/>
-                    <a:lumOff val="25000"/>
-                  </a:schemeClr>
-                </a:solidFill>
-                <a:effectLst/>
-                <a:latin typeface="Alte Haas Grotesk" panose="02000503000000020004" pitchFamily="2" charset="0"/>
-              </a:rPr>
-              <a:t>dolor</a:t>
-            </a:r>
-            <a:r>
-              <a:rPr lang="pt-BR" sz="1600" b="0" i="0" dirty="0">
-                <a:solidFill>
-                  <a:schemeClr val="tx1">
-                    <a:lumMod val="75000"/>
-                    <a:lumOff val="25000"/>
-                  </a:schemeClr>
-                </a:solidFill>
-                <a:effectLst/>
-                <a:latin typeface="Alte Haas Grotesk" panose="02000503000000020004" pitchFamily="2" charset="0"/>
-              </a:rPr>
-              <a:t> est </a:t>
-            </a:r>
-            <a:r>
-              <a:rPr lang="pt-BR" sz="1600" b="0" i="0" dirty="0" err="1">
-                <a:solidFill>
-                  <a:schemeClr val="tx1">
-                    <a:lumMod val="75000"/>
-                    <a:lumOff val="25000"/>
-                  </a:schemeClr>
-                </a:solidFill>
-                <a:effectLst/>
-                <a:latin typeface="Alte Haas Grotesk" panose="02000503000000020004" pitchFamily="2" charset="0"/>
-              </a:rPr>
-              <a:t>architecto</a:t>
-            </a:r>
-            <a:r>
-              <a:rPr lang="pt-BR" sz="1600" b="0" i="0" dirty="0">
-                <a:solidFill>
-                  <a:schemeClr val="tx1">
-                    <a:lumMod val="75000"/>
-                    <a:lumOff val="25000"/>
-                  </a:schemeClr>
-                </a:solidFill>
-                <a:effectLst/>
-                <a:latin typeface="Alte Haas Grotesk" panose="02000503000000020004" pitchFamily="2" charset="0"/>
-              </a:rPr>
-              <a:t> </a:t>
-            </a:r>
-            <a:r>
-              <a:rPr lang="pt-BR" sz="1600" b="0" i="0" dirty="0" err="1">
-                <a:solidFill>
-                  <a:schemeClr val="tx1">
-                    <a:lumMod val="75000"/>
-                    <a:lumOff val="25000"/>
-                  </a:schemeClr>
-                </a:solidFill>
-                <a:effectLst/>
-                <a:latin typeface="Alte Haas Grotesk" panose="02000503000000020004" pitchFamily="2" charset="0"/>
-              </a:rPr>
-              <a:t>modi</a:t>
-            </a:r>
-            <a:r>
-              <a:rPr lang="pt-BR" sz="1600" b="0" i="0" dirty="0">
-                <a:solidFill>
-                  <a:schemeClr val="tx1">
-                    <a:lumMod val="75000"/>
-                    <a:lumOff val="25000"/>
-                  </a:schemeClr>
-                </a:solidFill>
-                <a:effectLst/>
-                <a:latin typeface="Alte Haas Grotesk" panose="02000503000000020004" pitchFamily="2" charset="0"/>
-              </a:rPr>
-              <a:t> est </a:t>
-            </a:r>
-            <a:r>
-              <a:rPr lang="pt-BR" sz="1600" b="0" i="0" dirty="0" err="1">
-                <a:solidFill>
-                  <a:schemeClr val="tx1">
-                    <a:lumMod val="75000"/>
-                    <a:lumOff val="25000"/>
-                  </a:schemeClr>
-                </a:solidFill>
-                <a:effectLst/>
-                <a:latin typeface="Alte Haas Grotesk" panose="02000503000000020004" pitchFamily="2" charset="0"/>
-              </a:rPr>
-              <a:t>repellat</a:t>
-            </a:r>
-            <a:r>
-              <a:rPr lang="pt-BR" sz="1600" b="0" i="0" dirty="0">
-                <a:solidFill>
-                  <a:schemeClr val="tx1">
-                    <a:lumMod val="75000"/>
-                    <a:lumOff val="25000"/>
-                  </a:schemeClr>
-                </a:solidFill>
-                <a:effectLst/>
-                <a:latin typeface="Alte Haas Grotesk" panose="02000503000000020004" pitchFamily="2" charset="0"/>
-              </a:rPr>
-              <a:t> </a:t>
-            </a:r>
-            <a:r>
-              <a:rPr lang="pt-BR" sz="1600" b="0" i="0" dirty="0" err="1">
-                <a:solidFill>
-                  <a:schemeClr val="tx1">
-                    <a:lumMod val="75000"/>
-                    <a:lumOff val="25000"/>
-                  </a:schemeClr>
-                </a:solidFill>
-                <a:effectLst/>
-                <a:latin typeface="Alte Haas Grotesk" panose="02000503000000020004" pitchFamily="2" charset="0"/>
-              </a:rPr>
-              <a:t>nobis</a:t>
-            </a:r>
-            <a:r>
-              <a:rPr lang="pt-BR" sz="1600" b="0" i="0" dirty="0">
-                <a:solidFill>
-                  <a:schemeClr val="tx1">
-                    <a:lumMod val="75000"/>
-                    <a:lumOff val="25000"/>
-                  </a:schemeClr>
-                </a:solidFill>
-                <a:effectLst/>
-                <a:latin typeface="Alte Haas Grotesk" panose="02000503000000020004" pitchFamily="2" charset="0"/>
-              </a:rPr>
-              <a:t>!</a:t>
-            </a:r>
-          </a:p>
-          <a:p>
-            <a:pPr marL="285750" indent="-285750" algn="just">
-              <a:lnSpc>
-                <a:spcPct val="150000"/>
-              </a:lnSpc>
-              <a:buFont typeface="Arial" panose="020B0604020202020204" pitchFamily="34" charset="0"/>
-              <a:buChar char="•"/>
-            </a:pPr>
-            <a:r>
-              <a:rPr lang="pt-BR" sz="1600" b="0" i="0" dirty="0">
-                <a:solidFill>
-                  <a:schemeClr val="tx1">
-                    <a:lumMod val="75000"/>
-                    <a:lumOff val="25000"/>
-                  </a:schemeClr>
-                </a:solidFill>
-                <a:effectLst/>
-                <a:latin typeface="Alte Haas Grotesk" panose="02000503000000020004" pitchFamily="2" charset="0"/>
-              </a:rPr>
-              <a:t>Aut </a:t>
-            </a:r>
-            <a:r>
-              <a:rPr lang="pt-BR" sz="1600" b="0" i="0" dirty="0" err="1">
-                <a:solidFill>
-                  <a:schemeClr val="tx1">
-                    <a:lumMod val="75000"/>
-                    <a:lumOff val="25000"/>
-                  </a:schemeClr>
-                </a:solidFill>
-                <a:effectLst/>
-                <a:latin typeface="Alte Haas Grotesk" panose="02000503000000020004" pitchFamily="2" charset="0"/>
-              </a:rPr>
-              <a:t>natus</a:t>
-            </a:r>
-            <a:r>
-              <a:rPr lang="pt-BR" sz="1600" b="0" i="0" dirty="0">
-                <a:solidFill>
-                  <a:schemeClr val="tx1">
-                    <a:lumMod val="75000"/>
-                    <a:lumOff val="25000"/>
-                  </a:schemeClr>
-                </a:solidFill>
-                <a:effectLst/>
-                <a:latin typeface="Alte Haas Grotesk" panose="02000503000000020004" pitchFamily="2" charset="0"/>
-              </a:rPr>
-              <a:t> </a:t>
-            </a:r>
-            <a:r>
-              <a:rPr lang="pt-BR" sz="1600" b="0" i="0" dirty="0" err="1">
-                <a:solidFill>
-                  <a:schemeClr val="tx1">
-                    <a:lumMod val="75000"/>
-                    <a:lumOff val="25000"/>
-                  </a:schemeClr>
-                </a:solidFill>
-                <a:effectLst/>
-                <a:latin typeface="Alte Haas Grotesk" panose="02000503000000020004" pitchFamily="2" charset="0"/>
-              </a:rPr>
-              <a:t>architecto</a:t>
-            </a:r>
-            <a:r>
-              <a:rPr lang="pt-BR" sz="1600" b="0" i="0" dirty="0">
-                <a:solidFill>
-                  <a:schemeClr val="tx1">
-                    <a:lumMod val="75000"/>
-                    <a:lumOff val="25000"/>
-                  </a:schemeClr>
-                </a:solidFill>
-                <a:effectLst/>
-                <a:latin typeface="Alte Haas Grotesk" panose="02000503000000020004" pitchFamily="2" charset="0"/>
-              </a:rPr>
-              <a:t> non </a:t>
-            </a:r>
-            <a:r>
-              <a:rPr lang="pt-BR" sz="1600" b="0" i="0" dirty="0" err="1">
-                <a:solidFill>
-                  <a:schemeClr val="tx1">
-                    <a:lumMod val="75000"/>
-                    <a:lumOff val="25000"/>
-                  </a:schemeClr>
-                </a:solidFill>
-                <a:effectLst/>
-                <a:latin typeface="Alte Haas Grotesk" panose="02000503000000020004" pitchFamily="2" charset="0"/>
-              </a:rPr>
-              <a:t>asperiores</a:t>
-            </a:r>
-            <a:r>
-              <a:rPr lang="pt-BR" sz="1600" b="0" i="0" dirty="0">
-                <a:solidFill>
-                  <a:schemeClr val="tx1">
-                    <a:lumMod val="75000"/>
-                    <a:lumOff val="25000"/>
-                  </a:schemeClr>
-                </a:solidFill>
-                <a:effectLst/>
-                <a:latin typeface="Alte Haas Grotesk" panose="02000503000000020004" pitchFamily="2" charset="0"/>
-              </a:rPr>
-              <a:t> vero </a:t>
-            </a:r>
-            <a:r>
-              <a:rPr lang="pt-BR" sz="1600" b="0" i="0" dirty="0" err="1">
-                <a:solidFill>
-                  <a:schemeClr val="tx1">
-                    <a:lumMod val="75000"/>
-                    <a:lumOff val="25000"/>
-                  </a:schemeClr>
-                </a:solidFill>
-                <a:effectLst/>
-                <a:latin typeface="Alte Haas Grotesk" panose="02000503000000020004" pitchFamily="2" charset="0"/>
-              </a:rPr>
-              <a:t>qui</a:t>
-            </a:r>
-            <a:r>
-              <a:rPr lang="pt-BR" sz="1600" b="0" i="0" dirty="0">
-                <a:solidFill>
-                  <a:schemeClr val="tx1">
-                    <a:lumMod val="75000"/>
-                    <a:lumOff val="25000"/>
-                  </a:schemeClr>
-                </a:solidFill>
-                <a:effectLst/>
-                <a:latin typeface="Alte Haas Grotesk" panose="02000503000000020004" pitchFamily="2" charset="0"/>
-              </a:rPr>
-              <a:t> </a:t>
-            </a:r>
-            <a:r>
-              <a:rPr lang="pt-BR" sz="1600" b="0" i="0" dirty="0" err="1">
-                <a:solidFill>
-                  <a:schemeClr val="tx1">
-                    <a:lumMod val="75000"/>
-                    <a:lumOff val="25000"/>
-                  </a:schemeClr>
-                </a:solidFill>
-                <a:effectLst/>
-                <a:latin typeface="Alte Haas Grotesk" panose="02000503000000020004" pitchFamily="2" charset="0"/>
-              </a:rPr>
-              <a:t>doloremque</a:t>
-            </a:r>
-            <a:r>
-              <a:rPr lang="pt-BR" sz="1600" b="0" i="0" dirty="0">
-                <a:solidFill>
-                  <a:schemeClr val="tx1">
-                    <a:lumMod val="75000"/>
-                    <a:lumOff val="25000"/>
-                  </a:schemeClr>
-                </a:solidFill>
-                <a:effectLst/>
-                <a:latin typeface="Alte Haas Grotesk" panose="02000503000000020004" pitchFamily="2" charset="0"/>
-              </a:rPr>
-              <a:t> </a:t>
-            </a:r>
-            <a:r>
-              <a:rPr lang="pt-BR" sz="1600" b="0" i="0" dirty="0" err="1">
-                <a:solidFill>
-                  <a:schemeClr val="tx1">
-                    <a:lumMod val="75000"/>
-                    <a:lumOff val="25000"/>
-                  </a:schemeClr>
-                </a:solidFill>
-                <a:effectLst/>
-                <a:latin typeface="Alte Haas Grotesk" panose="02000503000000020004" pitchFamily="2" charset="0"/>
-              </a:rPr>
-              <a:t>consequatur</a:t>
-            </a:r>
-            <a:r>
-              <a:rPr lang="pt-BR" sz="1600" b="0" i="0" dirty="0">
-                <a:solidFill>
-                  <a:schemeClr val="tx1">
-                    <a:lumMod val="75000"/>
-                    <a:lumOff val="25000"/>
-                  </a:schemeClr>
-                </a:solidFill>
-                <a:effectLst/>
-                <a:latin typeface="Alte Haas Grotesk" panose="02000503000000020004" pitchFamily="2" charset="0"/>
-              </a:rPr>
-              <a:t>. </a:t>
-            </a:r>
-          </a:p>
-          <a:p>
-            <a:pPr marL="285750" indent="-285750" algn="just">
-              <a:lnSpc>
-                <a:spcPct val="150000"/>
-              </a:lnSpc>
-              <a:buFont typeface="Arial" panose="020B0604020202020204" pitchFamily="34" charset="0"/>
-              <a:buChar char="•"/>
-            </a:pPr>
-            <a:r>
-              <a:rPr lang="pt-BR" sz="1600" b="0" i="0" dirty="0">
-                <a:solidFill>
-                  <a:schemeClr val="tx1">
-                    <a:lumMod val="75000"/>
-                    <a:lumOff val="25000"/>
-                  </a:schemeClr>
-                </a:solidFill>
-                <a:effectLst/>
-                <a:latin typeface="Alte Haas Grotesk" panose="02000503000000020004" pitchFamily="2" charset="0"/>
-              </a:rPr>
-              <a:t>At </a:t>
-            </a:r>
-            <a:r>
-              <a:rPr lang="pt-BR" sz="1600" b="0" i="0" dirty="0" err="1">
-                <a:solidFill>
-                  <a:schemeClr val="tx1">
-                    <a:lumMod val="75000"/>
-                    <a:lumOff val="25000"/>
-                  </a:schemeClr>
-                </a:solidFill>
-                <a:effectLst/>
-                <a:latin typeface="Alte Haas Grotesk" panose="02000503000000020004" pitchFamily="2" charset="0"/>
-              </a:rPr>
-              <a:t>quia</a:t>
-            </a:r>
-            <a:r>
-              <a:rPr lang="pt-BR" sz="1600" b="0" i="0" dirty="0">
-                <a:solidFill>
-                  <a:schemeClr val="tx1">
-                    <a:lumMod val="75000"/>
-                    <a:lumOff val="25000"/>
-                  </a:schemeClr>
-                </a:solidFill>
-                <a:effectLst/>
-                <a:latin typeface="Alte Haas Grotesk" panose="02000503000000020004" pitchFamily="2" charset="0"/>
-              </a:rPr>
-              <a:t> </a:t>
-            </a:r>
-            <a:r>
-              <a:rPr lang="pt-BR" sz="1600" b="0" i="0" dirty="0" err="1">
-                <a:solidFill>
-                  <a:schemeClr val="tx1">
-                    <a:lumMod val="75000"/>
-                    <a:lumOff val="25000"/>
-                  </a:schemeClr>
-                </a:solidFill>
-                <a:effectLst/>
-                <a:latin typeface="Alte Haas Grotesk" panose="02000503000000020004" pitchFamily="2" charset="0"/>
-              </a:rPr>
-              <a:t>laboriosam</a:t>
-            </a:r>
-            <a:r>
-              <a:rPr lang="pt-BR" sz="1600" b="0" i="0" dirty="0">
-                <a:solidFill>
-                  <a:schemeClr val="tx1">
-                    <a:lumMod val="75000"/>
-                    <a:lumOff val="25000"/>
-                  </a:schemeClr>
-                </a:solidFill>
-                <a:effectLst/>
-                <a:latin typeface="Alte Haas Grotesk" panose="02000503000000020004" pitchFamily="2" charset="0"/>
-              </a:rPr>
-              <a:t> et </a:t>
-            </a:r>
-            <a:r>
-              <a:rPr lang="pt-BR" sz="1600" b="0" i="0" dirty="0" err="1">
-                <a:solidFill>
-                  <a:schemeClr val="tx1">
-                    <a:lumMod val="75000"/>
-                    <a:lumOff val="25000"/>
-                  </a:schemeClr>
-                </a:solidFill>
-                <a:effectLst/>
-                <a:latin typeface="Alte Haas Grotesk" panose="02000503000000020004" pitchFamily="2" charset="0"/>
-              </a:rPr>
-              <a:t>recusandae</a:t>
-            </a:r>
-            <a:r>
-              <a:rPr lang="pt-BR" sz="1600" b="0" i="0" dirty="0">
-                <a:solidFill>
-                  <a:schemeClr val="tx1">
-                    <a:lumMod val="75000"/>
-                    <a:lumOff val="25000"/>
-                  </a:schemeClr>
-                </a:solidFill>
-                <a:effectLst/>
-                <a:latin typeface="Alte Haas Grotesk" panose="02000503000000020004" pitchFamily="2" charset="0"/>
-              </a:rPr>
-              <a:t> </a:t>
-            </a:r>
-            <a:r>
-              <a:rPr lang="pt-BR" sz="1600" b="0" i="0" dirty="0" err="1">
-                <a:solidFill>
-                  <a:schemeClr val="tx1">
-                    <a:lumMod val="75000"/>
-                    <a:lumOff val="25000"/>
-                  </a:schemeClr>
-                </a:solidFill>
-                <a:effectLst/>
-                <a:latin typeface="Alte Haas Grotesk" panose="02000503000000020004" pitchFamily="2" charset="0"/>
-              </a:rPr>
-              <a:t>molestiae</a:t>
-            </a:r>
-            <a:r>
-              <a:rPr lang="pt-BR" sz="1600" b="0" i="0" dirty="0">
-                <a:solidFill>
-                  <a:schemeClr val="tx1">
-                    <a:lumMod val="75000"/>
-                    <a:lumOff val="25000"/>
-                  </a:schemeClr>
-                </a:solidFill>
-                <a:effectLst/>
-                <a:latin typeface="Alte Haas Grotesk" panose="02000503000000020004" pitchFamily="2" charset="0"/>
-              </a:rPr>
-              <a:t> </a:t>
-            </a:r>
-            <a:r>
-              <a:rPr lang="pt-BR" sz="1600" b="0" i="0" dirty="0" err="1">
-                <a:solidFill>
-                  <a:schemeClr val="tx1">
-                    <a:lumMod val="75000"/>
-                    <a:lumOff val="25000"/>
-                  </a:schemeClr>
-                </a:solidFill>
-                <a:effectLst/>
-                <a:latin typeface="Alte Haas Grotesk" panose="02000503000000020004" pitchFamily="2" charset="0"/>
-              </a:rPr>
-              <a:t>aut</a:t>
-            </a:r>
-            <a:r>
-              <a:rPr lang="pt-BR" sz="1600" b="0" i="0" dirty="0">
-                <a:solidFill>
-                  <a:schemeClr val="tx1">
-                    <a:lumMod val="75000"/>
-                    <a:lumOff val="25000"/>
-                  </a:schemeClr>
-                </a:solidFill>
-                <a:effectLst/>
-                <a:latin typeface="Alte Haas Grotesk" panose="02000503000000020004" pitchFamily="2" charset="0"/>
-              </a:rPr>
-              <a:t> </a:t>
-            </a:r>
-            <a:r>
-              <a:rPr lang="pt-BR" sz="1600" b="0" i="0" dirty="0" err="1">
-                <a:solidFill>
-                  <a:schemeClr val="tx1">
-                    <a:lumMod val="75000"/>
-                    <a:lumOff val="25000"/>
-                  </a:schemeClr>
-                </a:solidFill>
-                <a:effectLst/>
-                <a:latin typeface="Alte Haas Grotesk" panose="02000503000000020004" pitchFamily="2" charset="0"/>
-              </a:rPr>
-              <a:t>galisum</a:t>
-            </a:r>
-            <a:r>
-              <a:rPr lang="pt-BR" sz="1600" b="0" i="0" dirty="0">
-                <a:solidFill>
-                  <a:schemeClr val="tx1">
-                    <a:lumMod val="75000"/>
-                    <a:lumOff val="25000"/>
-                  </a:schemeClr>
-                </a:solidFill>
-                <a:effectLst/>
-                <a:latin typeface="Alte Haas Grotesk" panose="02000503000000020004" pitchFamily="2" charset="0"/>
-              </a:rPr>
-              <a:t> </a:t>
-            </a:r>
-            <a:r>
-              <a:rPr lang="pt-BR" sz="1600" b="0" i="0" dirty="0" err="1">
-                <a:solidFill>
-                  <a:schemeClr val="tx1">
-                    <a:lumMod val="75000"/>
-                    <a:lumOff val="25000"/>
-                  </a:schemeClr>
-                </a:solidFill>
-                <a:effectLst/>
-                <a:latin typeface="Alte Haas Grotesk" panose="02000503000000020004" pitchFamily="2" charset="0"/>
-              </a:rPr>
-              <a:t>magnam</a:t>
-            </a:r>
-            <a:r>
-              <a:rPr lang="pt-BR" sz="1600" b="0" i="0" dirty="0">
-                <a:solidFill>
-                  <a:schemeClr val="tx1">
-                    <a:lumMod val="75000"/>
-                    <a:lumOff val="25000"/>
-                  </a:schemeClr>
-                </a:solidFill>
-                <a:effectLst/>
-                <a:latin typeface="Alte Haas Grotesk" panose="02000503000000020004" pitchFamily="2" charset="0"/>
-              </a:rPr>
-              <a:t> id </a:t>
-            </a:r>
-            <a:r>
-              <a:rPr lang="pt-BR" sz="1600" b="0" i="0" dirty="0" err="1">
-                <a:solidFill>
-                  <a:schemeClr val="tx1">
-                    <a:lumMod val="75000"/>
-                    <a:lumOff val="25000"/>
-                  </a:schemeClr>
-                </a:solidFill>
-                <a:effectLst/>
-                <a:latin typeface="Alte Haas Grotesk" panose="02000503000000020004" pitchFamily="2" charset="0"/>
-              </a:rPr>
-              <a:t>blanditiis</a:t>
-            </a:r>
-            <a:r>
-              <a:rPr lang="pt-BR" sz="1600" b="0" i="0" dirty="0">
-                <a:solidFill>
-                  <a:schemeClr val="tx1">
-                    <a:lumMod val="75000"/>
-                    <a:lumOff val="25000"/>
-                  </a:schemeClr>
-                </a:solidFill>
-                <a:effectLst/>
-                <a:latin typeface="Alte Haas Grotesk" panose="02000503000000020004" pitchFamily="2" charset="0"/>
-              </a:rPr>
-              <a:t> </a:t>
-            </a:r>
-            <a:r>
-              <a:rPr lang="pt-BR" sz="1600" b="0" i="0" dirty="0" err="1">
-                <a:solidFill>
-                  <a:schemeClr val="tx1">
-                    <a:lumMod val="75000"/>
-                    <a:lumOff val="25000"/>
-                  </a:schemeClr>
-                </a:solidFill>
-                <a:effectLst/>
-                <a:latin typeface="Alte Haas Grotesk" panose="02000503000000020004" pitchFamily="2" charset="0"/>
-              </a:rPr>
-              <a:t>consequatur</a:t>
-            </a:r>
-            <a:r>
-              <a:rPr lang="pt-BR" sz="1600" b="0" i="0" dirty="0">
-                <a:solidFill>
-                  <a:schemeClr val="tx1">
-                    <a:lumMod val="75000"/>
-                    <a:lumOff val="25000"/>
-                  </a:schemeClr>
-                </a:solidFill>
-                <a:effectLst/>
-                <a:latin typeface="Alte Haas Grotesk" panose="02000503000000020004" pitchFamily="2" charset="0"/>
-              </a:rPr>
-              <a:t>.</a:t>
+              <a:t>OBSERVABILIDADE</a:t>
             </a:r>
           </a:p>
         </p:txBody>
@@ -4736,7 +4535,7 @@
     </p:spTree>
     <p:extLst>
       <p:ext uri="{BB962C8B-B14F-4D97-AF65-F5344CB8AC3E}">
-        <p14:creationId xmlns:p14="http://schemas.microsoft.com/office/powerpoint/2010/main" val="4166114271"/>
+        <p14:creationId xmlns:p14="http://schemas.microsoft.com/office/powerpoint/2010/main" val="1206575598"/>
       </p:ext>
     </p:extLst>
   </p:cSld>
@@ -4801,93 +4600,6 @@
       </p:pic>
       <p:sp>
         <p:nvSpPr>
-          <p:cNvPr id="6" name="CaixaDeTexto 5">
-            <a:extLst>
-              <a:ext uri="{FF2B5EF4-FFF2-40B4-BE49-F238E27FC236}">
-                <a16:creationId xmlns:a16="http://schemas.microsoft.com/office/drawing/2014/main" id="{95A45216-2EBC-9A81-66AD-DB4905FD3FD2}"/>
-              </a:ext>
-            </a:extLst>
-          </p:cNvPr>
-          <p:cNvSpPr txBox="1"/>
-          <p:nvPr/>
-        </p:nvSpPr>
-        <p:spPr>
-          <a:xfrm>
-            <a:off x="2673291" y="1210513"/>
-            <a:ext cx="6845417" cy="1162113"/>
-          </a:xfrm>
-          <a:prstGeom prst="rect">
-            <a:avLst/>
-          </a:prstGeom>
-          <a:noFill/>
-        </p:spPr>
-        <p:txBody>
-          <a:bodyPr wrap="square" rtlCol="0">
-            <a:spAutoFit/>
-          </a:bodyPr>
-          <a:lstStyle/>
-          <a:p>
-            <a:pPr algn="just">
-              <a:lnSpc>
-                <a:spcPct val="150000"/>
-              </a:lnSpc>
-            </a:pPr>
-            <a:r>
-              <a:rPr lang="pt-BR" sz="1600" b="0" i="0" dirty="0" err="1">
-                <a:solidFill>
-                  <a:srgbClr val="212529"/>
-                </a:solidFill>
-                <a:effectLst/>
-                <a:latin typeface="Alte Haas Grotesk" panose="02000503000000020004" pitchFamily="2" charset="0"/>
-              </a:rPr>
-              <a:t>AspNetCoreInstrumentatio</a:t>
-            </a:r>
-            <a:r>
-              <a:rPr lang="pt-BR" sz="1600" dirty="0" err="1">
-                <a:solidFill>
-                  <a:srgbClr val="212529"/>
-                </a:solidFill>
-                <a:latin typeface="Alte Haas Grotesk" panose="02000503000000020004" pitchFamily="2" charset="0"/>
-              </a:rPr>
-              <a:t>n</a:t>
-            </a:r>
-            <a:r>
-              <a:rPr lang="pt-BR" sz="1600" dirty="0">
-                <a:solidFill>
-                  <a:srgbClr val="212529"/>
-                </a:solidFill>
-                <a:latin typeface="Alte Haas Grotesk" panose="02000503000000020004" pitchFamily="2" charset="0"/>
-              </a:rPr>
-              <a:t>: biblioteca que permite coleta de métricas e rastreamento sobre solicitações da Web </a:t>
-            </a:r>
-            <a:r>
-              <a:rPr lang="pt-BR" sz="1600">
-                <a:solidFill>
-                  <a:srgbClr val="212529"/>
-                </a:solidFill>
-                <a:latin typeface="Alte Haas Grotesk" panose="02000503000000020004" pitchFamily="2" charset="0"/>
-              </a:rPr>
-              <a:t>recebidas;</a:t>
-            </a:r>
-          </a:p>
-          <a:p>
-            <a:pPr algn="just">
-              <a:lnSpc>
-                <a:spcPct val="150000"/>
-              </a:lnSpc>
-            </a:pPr>
-            <a:endParaRPr lang="pt-BR" sz="1600" b="0" i="0" dirty="0">
-              <a:solidFill>
-                <a:srgbClr val="212529"/>
-              </a:solidFill>
-              <a:effectLst/>
-              <a:latin typeface="Alte Haas Grotesk" panose="02000503000000020004" pitchFamily="2" charset="0"/>
-            </a:endParaRPr>
-          </a:p>
-        </p:txBody>
-      </p:sp>
-      <p:sp>
-        <p:nvSpPr>
           <p:cNvPr id="7" name="CaixaDeTexto 6">
             <a:extLst>
               <a:ext uri="{FF2B5EF4-FFF2-40B4-BE49-F238E27FC236}">
@@ -4922,15 +4634,62 @@
                 </a:solidFill>
                 <a:latin typeface="Alte Haas Grotesk" panose="02000503000000020004" pitchFamily="2" charset="0"/>
               </a:rPr>
-              <a:t>CONTEÚDO</a:t>
-            </a:r>
-          </a:p>
-        </p:txBody>
-      </p:sp>
+              <a:t>OBSERVABILIDADE</a:t>
+            </a:r>
+          </a:p>
+        </p:txBody>
+      </p:sp>
+      <p:pic>
+        <p:nvPicPr>
+          <p:cNvPr id="1026" name="Picture 2">
+            <a:extLst>
+              <a:ext uri="{FF2B5EF4-FFF2-40B4-BE49-F238E27FC236}">
+                <a16:creationId xmlns:a16="http://schemas.microsoft.com/office/drawing/2014/main" id="{408E42F6-61D9-B5BF-A78B-DCE7FEF8F084}"/>
+              </a:ext>
+            </a:extLst>
+          </p:cNvPr>
+          <p:cNvPicPr>
+            <a:picLocks noChangeAspect="1" noChangeArrowheads="1"/>
+          </p:cNvPicPr>
+          <p:nvPr/>
+        </p:nvPicPr>
+        <p:blipFill>
+          <a:blip r:embed="rId3">
+            <a:extLst>
+              <a:ext uri="{28A0092B-C50C-407E-A947-70E740481C1C}">
+                <a14:useLocalDpi xmlns:a14="http://schemas.microsoft.com/office/drawing/2010/main" val="0"/>
+              </a:ext>
+            </a:extLst>
+          </a:blip>
+          <a:srcRect/>
+          <a:stretch>
+            <a:fillRect/>
+          </a:stretch>
+        </p:blipFill>
+        <p:spPr bwMode="auto">
+          <a:xfrm>
+            <a:off x="1343025" y="1362075"/>
+            <a:ext cx="9505950" cy="4133850"/>
+          </a:xfrm>
+          <a:prstGeom prst="rect">
+            <a:avLst/>
+          </a:prstGeom>
+          <a:noFill/>
+          <a:extLst>
+            <a:ext uri="{909E8E84-426E-40DD-AFC4-6F175D3DCCD1}">
+              <a14:hiddenFill xmlns:a14="http://schemas.microsoft.com/office/drawing/2010/main">
+                <a:solidFill>
+                  <a:srgbClr val="FFFFFF"/>
+                </a:solidFill>
+              </a14:hiddenFill>
+            </a:ext>
+          </a:extLst>
+        </p:spPr>
+      </p:pic>
     </p:spTree>
     <p:extLst>
       <p:ext uri="{BB962C8B-B14F-4D97-AF65-F5344CB8AC3E}">
-        <p14:creationId xmlns:p14="http://schemas.microsoft.com/office/powerpoint/2010/main" val="1206575598"/>
+        <p14:creationId xmlns:p14="http://schemas.microsoft.com/office/powerpoint/2010/main" val="1821774340"/>
       </p:ext>
     </p:extLst>
   </p:cSld>
@@ -4959,10 +4718,10 @@
       </p:grpSpPr>
       <p:pic>
         <p:nvPicPr>
-          <p:cNvPr id="5" name="Imagem 4">
-            <a:extLst>
-              <a:ext uri="{FF2B5EF4-FFF2-40B4-BE49-F238E27FC236}">
-                <a16:creationId xmlns:a16="http://schemas.microsoft.com/office/drawing/2014/main" id="{F3DE8E78-16EA-A76F-D718-FE2DDF48ECB3}"/>
+          <p:cNvPr id="8" name="Imagem 7">
+            <a:extLst>
+              <a:ext uri="{FF2B5EF4-FFF2-40B4-BE49-F238E27FC236}">
+                <a16:creationId xmlns:a16="http://schemas.microsoft.com/office/drawing/2014/main" id="{58811B2A-2EF5-75D0-E6A6-8DF630E73600}"/>
               </a:ext>
             </a:extLst>
           </p:cNvPr>
@@ -4985,8 +4744,8 @@
         </p:blipFill>
         <p:spPr>
           <a:xfrm>
-            <a:off x="0" y="428"/>
-            <a:ext cx="12192000" cy="6857143"/>
+            <a:off x="2708" y="0"/>
+            <a:ext cx="12186584" cy="6858000"/>
           </a:xfrm>
           <a:prstGeom prst="rect">
             <a:avLst/>
@@ -4995,10 +4754,10 @@
       </p:pic>
       <p:sp>
         <p:nvSpPr>
-          <p:cNvPr id="2" name="CaixaDeTexto 1">
-            <a:extLst>
-              <a:ext uri="{FF2B5EF4-FFF2-40B4-BE49-F238E27FC236}">
-                <a16:creationId xmlns:a16="http://schemas.microsoft.com/office/drawing/2014/main" id="{9DF504D8-88BE-8D0A-EB1C-7FAB11ACAD4F}"/>
+          <p:cNvPr id="6" name="CaixaDeTexto 5">
+            <a:extLst>
+              <a:ext uri="{FF2B5EF4-FFF2-40B4-BE49-F238E27FC236}">
+                <a16:creationId xmlns:a16="http://schemas.microsoft.com/office/drawing/2014/main" id="{95A45216-2EBC-9A81-66AD-DB4905FD3FD2}"/>
               </a:ext>
             </a:extLst>
           </p:cNvPr>
@@ -5007,8 +4766,8 @@
         </p:nvSpPr>
         <p:spPr>
           <a:xfrm>
-            <a:off x="0" y="2708281"/>
-            <a:ext cx="12192000" cy="1107996"/>
+            <a:off x="1620982" y="1472470"/>
+            <a:ext cx="8950036" cy="3913059"/>
           </a:xfrm>
           <a:prstGeom prst="rect">
             <a:avLst/>
@@ -5021,15 +4780,239 @@
           </a:bodyPr>
           <a:lstStyle/>
           <a:p>
+            <a:pPr marL="285750" indent="-285750" algn="just">
+              <a:lnSpc>
+                <a:spcPct val="150000"/>
+              </a:lnSpc>
+              <a:buFont typeface="Arial" panose="020B0604020202020204" pitchFamily="34" charset="0"/>
+              <a:buChar char="•"/>
+            </a:pPr>
+            <a:r>
+              <a:rPr lang="pt-BR" sz="2400" b="1" dirty="0">
+                <a:latin typeface="Alte Haas Grotesk" panose="02000503000000020004"/>
+              </a:rPr>
+              <a:t>Log:</a:t>
+            </a:r>
+            <a:r>
+              <a:rPr lang="pt-BR" sz="2400" dirty="0">
+                <a:latin typeface="Alte Haas Grotesk" panose="02000503000000020004"/>
+              </a:rPr>
+              <a:t> Registro textual de eventos que ocorrem no sistema (</a:t>
+            </a:r>
+            <a:r>
+              <a:rPr lang="pt-BR" sz="2400" dirty="0" err="1">
+                <a:latin typeface="Alte Haas Grotesk" panose="02000503000000020004"/>
+              </a:rPr>
+              <a:t>Elastic</a:t>
+            </a:r>
+            <a:r>
+              <a:rPr lang="pt-BR" sz="2400" dirty="0">
+                <a:latin typeface="Alte Haas Grotesk" panose="02000503000000020004"/>
+              </a:rPr>
+              <a:t> Stack, </a:t>
+            </a:r>
+            <a:r>
+              <a:rPr lang="pt-BR" sz="2400" dirty="0" err="1">
+                <a:latin typeface="Alte Haas Grotesk" panose="02000503000000020004"/>
+              </a:rPr>
+              <a:t>Loki</a:t>
+            </a:r>
+            <a:r>
+              <a:rPr lang="pt-BR" sz="2400" dirty="0">
+                <a:latin typeface="Alte Haas Grotesk" panose="02000503000000020004"/>
+              </a:rPr>
+              <a:t>, </a:t>
+            </a:r>
+            <a:r>
+              <a:rPr lang="pt-BR" sz="2400" dirty="0" err="1">
+                <a:latin typeface="Alte Haas Grotesk" panose="02000503000000020004"/>
+              </a:rPr>
+              <a:t>GreyLog</a:t>
+            </a:r>
+            <a:r>
+              <a:rPr lang="pt-BR" sz="2400" dirty="0">
+                <a:latin typeface="Alte Haas Grotesk" panose="02000503000000020004"/>
+              </a:rPr>
+              <a:t>, Jaeger, </a:t>
+            </a:r>
+            <a:r>
+              <a:rPr lang="pt-BR" sz="2400" dirty="0" err="1">
+                <a:latin typeface="Alte Haas Grotesk" panose="02000503000000020004"/>
+              </a:rPr>
+              <a:t>Prometheus</a:t>
+            </a:r>
+            <a:r>
+              <a:rPr lang="pt-BR" sz="2400" dirty="0">
+                <a:latin typeface="Alte Haas Grotesk" panose="02000503000000020004"/>
+              </a:rPr>
+              <a:t>, </a:t>
+            </a:r>
+            <a:r>
+              <a:rPr lang="pt-BR" sz="2400" dirty="0" err="1">
+                <a:latin typeface="Alte Haas Grotesk" panose="02000503000000020004"/>
+              </a:rPr>
+              <a:t>ILogger</a:t>
+            </a:r>
+            <a:r>
+              <a:rPr lang="pt-BR" sz="2400" dirty="0">
+                <a:latin typeface="Alte Haas Grotesk" panose="02000503000000020004"/>
+              </a:rPr>
+              <a:t>);</a:t>
+            </a:r>
+          </a:p>
+          <a:p>
+            <a:pPr marL="285750" indent="-285750" algn="just">
+              <a:lnSpc>
+                <a:spcPct val="150000"/>
+              </a:lnSpc>
+              <a:buFont typeface="Arial" panose="020B0604020202020204" pitchFamily="34" charset="0"/>
+              <a:buChar char="•"/>
+            </a:pPr>
+            <a:r>
+              <a:rPr lang="pt-BR" sz="2400" b="1" dirty="0">
+                <a:latin typeface="Alte Haas Grotesk" panose="02000503000000020004"/>
+              </a:rPr>
+              <a:t>Métrica:</a:t>
+            </a:r>
+            <a:r>
+              <a:rPr lang="pt-BR" sz="2400" dirty="0">
+                <a:latin typeface="Alte Haas Grotesk" panose="02000503000000020004"/>
+              </a:rPr>
+              <a:t> Representação numérica baseado em uma linha do tempo (</a:t>
+            </a:r>
+            <a:r>
+              <a:rPr lang="pt-BR" sz="2400" dirty="0" err="1">
+                <a:latin typeface="Alte Haas Grotesk" panose="02000503000000020004"/>
+              </a:rPr>
+              <a:t>Elastic</a:t>
+            </a:r>
+            <a:r>
+              <a:rPr lang="pt-BR" sz="2400" dirty="0">
+                <a:latin typeface="Alte Haas Grotesk" panose="02000503000000020004"/>
+              </a:rPr>
+              <a:t> Stack , New </a:t>
+            </a:r>
+            <a:r>
+              <a:rPr lang="pt-BR" sz="2400" dirty="0" err="1">
+                <a:latin typeface="Alte Haas Grotesk" panose="02000503000000020004"/>
+              </a:rPr>
+              <a:t>Relic</a:t>
+            </a:r>
+            <a:r>
+              <a:rPr lang="pt-BR" sz="2400" dirty="0">
+                <a:latin typeface="Alte Haas Grotesk" panose="02000503000000020004"/>
+              </a:rPr>
+              <a:t>, Data Dog, </a:t>
+            </a:r>
+            <a:r>
+              <a:rPr lang="pt-BR" sz="2400" dirty="0" err="1">
+                <a:latin typeface="Alte Haas Grotesk" panose="02000503000000020004"/>
+              </a:rPr>
+              <a:t>Prometheus</a:t>
+            </a:r>
+            <a:r>
+              <a:rPr lang="pt-BR" sz="2400" dirty="0">
+                <a:latin typeface="Alte Haas Grotesk" panose="02000503000000020004"/>
+              </a:rPr>
+              <a:t>, Jaeger);</a:t>
+            </a:r>
+          </a:p>
+          <a:p>
+            <a:pPr marL="285750" indent="-285750" algn="just">
+              <a:lnSpc>
+                <a:spcPct val="150000"/>
+              </a:lnSpc>
+              <a:buFont typeface="Arial" panose="020B0604020202020204" pitchFamily="34" charset="0"/>
+              <a:buChar char="•"/>
+            </a:pPr>
+            <a:r>
+              <a:rPr lang="pt-BR" sz="2400" b="1" dirty="0">
+                <a:latin typeface="Alte Haas Grotesk" panose="02000503000000020004"/>
+              </a:rPr>
+              <a:t>Trace:</a:t>
+            </a:r>
+            <a:r>
+              <a:rPr lang="pt-BR" sz="2400" dirty="0">
+                <a:latin typeface="Alte Haas Grotesk" panose="02000503000000020004"/>
+              </a:rPr>
+              <a:t> Rastreamento de todo fluxo de uma requisição, correlação entre as requisições (</a:t>
+            </a:r>
+            <a:r>
+              <a:rPr lang="pt-BR" sz="2400" dirty="0" err="1">
+                <a:latin typeface="Alte Haas Grotesk" panose="02000503000000020004"/>
+              </a:rPr>
+              <a:t>Elastic</a:t>
+            </a:r>
+            <a:r>
+              <a:rPr lang="pt-BR" sz="2400" dirty="0">
+                <a:latin typeface="Alte Haas Grotesk" panose="02000503000000020004"/>
+              </a:rPr>
+              <a:t> Stack, Jaeger, </a:t>
+            </a:r>
+            <a:r>
+              <a:rPr lang="pt-BR" sz="2400" dirty="0" err="1">
+                <a:latin typeface="Alte Haas Grotesk" panose="02000503000000020004"/>
+              </a:rPr>
+              <a:t>Grafana</a:t>
+            </a:r>
+            <a:r>
+              <a:rPr lang="pt-BR" sz="2400" dirty="0">
+                <a:latin typeface="Alte Haas Grotesk" panose="02000503000000020004"/>
+              </a:rPr>
+              <a:t>, </a:t>
+            </a:r>
+            <a:r>
+              <a:rPr lang="pt-BR" sz="2400" dirty="0" err="1">
+                <a:latin typeface="Alte Haas Grotesk" panose="02000503000000020004"/>
+              </a:rPr>
+              <a:t>Application</a:t>
+            </a:r>
+            <a:r>
+              <a:rPr lang="pt-BR" sz="2400" dirty="0">
+                <a:latin typeface="Alte Haas Grotesk" panose="02000503000000020004"/>
+              </a:rPr>
+              <a:t> Insights);</a:t>
+            </a:r>
+          </a:p>
+        </p:txBody>
+      </p:sp>
+      <p:sp>
+        <p:nvSpPr>
+          <p:cNvPr id="7" name="CaixaDeTexto 6">
+            <a:extLst>
+              <a:ext uri="{FF2B5EF4-FFF2-40B4-BE49-F238E27FC236}">
+                <a16:creationId xmlns:a16="http://schemas.microsoft.com/office/drawing/2014/main" id="{3B9E86B4-089C-5426-0120-0EF072D18985}"/>
+              </a:ext>
+            </a:extLst>
+          </p:cNvPr>
+          <p:cNvSpPr txBox="1"/>
+          <p:nvPr/>
+        </p:nvSpPr>
+        <p:spPr>
+          <a:xfrm>
+            <a:off x="0" y="282091"/>
+            <a:ext cx="12192000" cy="646331"/>
+          </a:xfrm>
+          <a:prstGeom prst="rect">
+            <a:avLst/>
+          </a:prstGeom>
+          <a:noFill/>
+        </p:spPr>
+        <p:txBody>
+          <a:bodyPr wrap="square" rtlCol="0">
+            <a:spAutoFit/>
+          </a:bodyPr>
+          <a:lstStyle/>
+          <a:p>
             <a:pPr algn="ctr"/>
             <a:r>
-              <a:rPr lang="pt-BR" sz="6600" b="1" dirty="0">
+              <a:rPr lang="pt-BR" sz="3600" b="1" dirty="0">
                 <a:solidFill>
                   <a:srgbClr val="D2AE6D"/>
                 </a:solidFill>
                 <a:latin typeface="Alte Haas Grotesk" panose="02000503000000020004" pitchFamily="2" charset="0"/>
               </a:rPr>
-              <a:t>OBRIGADO!</a:t>
+              <a:t>OBSERVABILIDADE</a:t>
             </a:r>
           </a:p>
         </p:txBody>
@@ -5037,7 +5020,1094 @@
     </p:spTree>
     <p:extLst>
       <p:ext uri="{BB962C8B-B14F-4D97-AF65-F5344CB8AC3E}">
-        <p14:creationId xmlns:p14="http://schemas.microsoft.com/office/powerpoint/2010/main" val="2973889379"/>
+        <p14:creationId xmlns:p14="http://schemas.microsoft.com/office/powerpoint/2010/main" val="2560764010"/>
+      </p:ext>
+    </p:extLst>
+  </p:cSld>
+  <p:clrMapOvr>
+    <a:masterClrMapping/>
+  </p:clrMapOvr>
+</p:sld>
+</file>
+
+<file path=ppt/slides/slide5.xml><?xml version="1.0" encoding="utf-8"?>
+<p:sld xmlns:a="http://schemas.openxmlformats.org/drawingml/2006/main" xmlns:r="http://schemas.openxmlformats.org/officeDocument/2006/relationships" xmlns:p="http://schemas.openxmlformats.org/presentationml/2006/main">
+  <p:cSld>
+    <p:spTree>
+      <p:nvGrpSpPr>
+        <p:cNvPr id="1" name=""/>
+        <p:cNvGrpSpPr/>
+        <p:nvPr/>
+      </p:nvGrpSpPr>
+      <p:grpSpPr>
+        <a:xfrm>
+          <a:off x="0" y="0"/>
+          <a:ext cx="0" cy="0"/>
+          <a:chOff x="0" y="0"/>
+          <a:chExt cx="0" cy="0"/>
+        </a:xfrm>
+      </p:grpSpPr>
+      <p:pic>
+        <p:nvPicPr>
+          <p:cNvPr id="8" name="Imagem 7">
+            <a:extLst>
+              <a:ext uri="{FF2B5EF4-FFF2-40B4-BE49-F238E27FC236}">
+                <a16:creationId xmlns:a16="http://schemas.microsoft.com/office/drawing/2014/main" id="{58811B2A-2EF5-75D0-E6A6-8DF630E73600}"/>
+              </a:ext>
+            </a:extLst>
+          </p:cNvPr>
+          <p:cNvPicPr>
+            <a:picLocks noChangeAspect="1"/>
+          </p:cNvPicPr>
+          <p:nvPr/>
+        </p:nvPicPr>
+        <p:blipFill>
+          <a:blip r:embed="rId2">
+            <a:extLst>
+              <a:ext uri="{28A0092B-C50C-407E-A947-70E740481C1C}">
+                <a14:useLocalDpi xmlns:a14="http://schemas.microsoft.com/office/drawing/2010/main" val="0"/>
+              </a:ext>
+            </a:extLst>
+          </a:blip>
+          <a:stretch>
+            <a:fillRect/>
+          </a:stretch>
+        </p:blipFill>
+        <p:spPr>
+          <a:xfrm>
+            <a:off x="2708" y="0"/>
+            <a:ext cx="12186584" cy="6858000"/>
+          </a:xfrm>
+          <a:prstGeom prst="rect">
+            <a:avLst/>
+          </a:prstGeom>
+        </p:spPr>
+      </p:pic>
+      <p:sp>
+        <p:nvSpPr>
+          <p:cNvPr id="7" name="CaixaDeTexto 6">
+            <a:extLst>
+              <a:ext uri="{FF2B5EF4-FFF2-40B4-BE49-F238E27FC236}">
+                <a16:creationId xmlns:a16="http://schemas.microsoft.com/office/drawing/2014/main" id="{3B9E86B4-089C-5426-0120-0EF072D18985}"/>
+              </a:ext>
+            </a:extLst>
+          </p:cNvPr>
+          <p:cNvSpPr txBox="1"/>
+          <p:nvPr/>
+        </p:nvSpPr>
+        <p:spPr>
+          <a:xfrm>
+            <a:off x="0" y="282091"/>
+            <a:ext cx="12192000" cy="646331"/>
+          </a:xfrm>
+          <a:prstGeom prst="rect">
+            <a:avLst/>
+          </a:prstGeom>
+          <a:noFill/>
+        </p:spPr>
+        <p:txBody>
+          <a:bodyPr wrap="square" rtlCol="0">
+            <a:spAutoFit/>
+          </a:bodyPr>
+          <a:lstStyle/>
+          <a:p>
+            <a:pPr algn="ctr"/>
+            <a:r>
+              <a:rPr lang="pt-BR" sz="3600" b="1" dirty="0">
+                <a:solidFill>
+                  <a:srgbClr val="D2AE6D"/>
+                </a:solidFill>
+                <a:latin typeface="Alte Haas Grotesk" panose="02000503000000020004" pitchFamily="2" charset="0"/>
+              </a:rPr>
+              <a:t>OBSERVABILIDADE</a:t>
+            </a:r>
+          </a:p>
+        </p:txBody>
+      </p:sp>
+      <p:pic>
+        <p:nvPicPr>
+          <p:cNvPr id="3" name="Imagem 2">
+            <a:extLst>
+              <a:ext uri="{FF2B5EF4-FFF2-40B4-BE49-F238E27FC236}">
+                <a16:creationId xmlns:a16="http://schemas.microsoft.com/office/drawing/2014/main" id="{7D33D738-5686-AA65-3F74-4FB190572277}"/>
+              </a:ext>
+            </a:extLst>
+          </p:cNvPr>
+          <p:cNvPicPr>
+            <a:picLocks noChangeAspect="1"/>
+          </p:cNvPicPr>
+          <p:nvPr/>
+        </p:nvPicPr>
+        <p:blipFill>
+          <a:blip r:embed="rId3"/>
+          <a:stretch>
+            <a:fillRect/>
+          </a:stretch>
+        </p:blipFill>
+        <p:spPr>
+          <a:xfrm>
+            <a:off x="2149475" y="1030673"/>
+            <a:ext cx="7248461" cy="5427854"/>
+          </a:xfrm>
+          <a:prstGeom prst="rect">
+            <a:avLst/>
+          </a:prstGeom>
+        </p:spPr>
+      </p:pic>
+    </p:spTree>
+    <p:extLst>
+      <p:ext uri="{BB962C8B-B14F-4D97-AF65-F5344CB8AC3E}">
+        <p14:creationId xmlns:p14="http://schemas.microsoft.com/office/powerpoint/2010/main" val="2653986758"/>
+      </p:ext>
+    </p:extLst>
+  </p:cSld>
+  <p:clrMapOvr>
+    <a:masterClrMapping/>
+  </p:clrMapOvr>
+</p:sld>
+</file>
+
+<file path=ppt/slides/slide6.xml><?xml version="1.0" encoding="utf-8"?>
+<p:sld xmlns:a="http://schemas.openxmlformats.org/drawingml/2006/main" xmlns:r="http://schemas.openxmlformats.org/officeDocument/2006/relationships" xmlns:p="http://schemas.openxmlformats.org/presentationml/2006/main">
+  <p:cSld>
+    <p:spTree>
+      <p:nvGrpSpPr>
+        <p:cNvPr id="1" name=""/>
+        <p:cNvGrpSpPr/>
+        <p:nvPr/>
+      </p:nvGrpSpPr>
+      <p:grpSpPr>
+        <a:xfrm>
+          <a:off x="0" y="0"/>
+          <a:ext cx="0" cy="0"/>
+          <a:chOff x="0" y="0"/>
+          <a:chExt cx="0" cy="0"/>
+        </a:xfrm>
+      </p:grpSpPr>
+      <p:pic>
+        <p:nvPicPr>
+          <p:cNvPr id="8" name="Imagem 7">
+            <a:extLst>
+              <a:ext uri="{FF2B5EF4-FFF2-40B4-BE49-F238E27FC236}">
+                <a16:creationId xmlns:a16="http://schemas.microsoft.com/office/drawing/2014/main" id="{58811B2A-2EF5-75D0-E6A6-8DF630E73600}"/>
+              </a:ext>
+            </a:extLst>
+          </p:cNvPr>
+          <p:cNvPicPr>
+            <a:picLocks noChangeAspect="1"/>
+          </p:cNvPicPr>
+          <p:nvPr/>
+        </p:nvPicPr>
+        <p:blipFill>
+          <a:blip r:embed="rId2">
+            <a:extLst>
+              <a:ext uri="{28A0092B-C50C-407E-A947-70E740481C1C}">
+                <a14:useLocalDpi xmlns:a14="http://schemas.microsoft.com/office/drawing/2010/main" val="0"/>
+              </a:ext>
+            </a:extLst>
+          </a:blip>
+          <a:stretch>
+            <a:fillRect/>
+          </a:stretch>
+        </p:blipFill>
+        <p:spPr>
+          <a:xfrm>
+            <a:off x="2708" y="0"/>
+            <a:ext cx="12186584" cy="6858000"/>
+          </a:xfrm>
+          <a:prstGeom prst="rect">
+            <a:avLst/>
+          </a:prstGeom>
+        </p:spPr>
+      </p:pic>
+      <p:sp>
+        <p:nvSpPr>
+          <p:cNvPr id="6" name="CaixaDeTexto 5">
+            <a:extLst>
+              <a:ext uri="{FF2B5EF4-FFF2-40B4-BE49-F238E27FC236}">
+                <a16:creationId xmlns:a16="http://schemas.microsoft.com/office/drawing/2014/main" id="{95A45216-2EBC-9A81-66AD-DB4905FD3FD2}"/>
+              </a:ext>
+            </a:extLst>
+          </p:cNvPr>
+          <p:cNvSpPr txBox="1"/>
+          <p:nvPr/>
+        </p:nvSpPr>
+        <p:spPr>
+          <a:xfrm>
+            <a:off x="2673291" y="1749469"/>
+            <a:ext cx="6845417" cy="3359061"/>
+          </a:xfrm>
+          <a:prstGeom prst="rect">
+            <a:avLst/>
+          </a:prstGeom>
+          <a:noFill/>
+        </p:spPr>
+        <p:txBody>
+          <a:bodyPr wrap="square" rtlCol="0">
+            <a:spAutoFit/>
+          </a:bodyPr>
+          <a:lstStyle/>
+          <a:p>
+            <a:pPr marL="342900" indent="-342900" algn="just">
+              <a:lnSpc>
+                <a:spcPct val="150000"/>
+              </a:lnSpc>
+              <a:buFont typeface="Arial" panose="020B0604020202020204" pitchFamily="34" charset="0"/>
+              <a:buChar char="•"/>
+            </a:pPr>
+            <a:r>
+              <a:rPr lang="pt-BR" sz="2400" dirty="0">
+                <a:latin typeface="Alte Haas Grotesk" panose="02000503000000020004"/>
+              </a:rPr>
+              <a:t>Visão da performance da sua aplicação;</a:t>
+            </a:r>
+          </a:p>
+          <a:p>
+            <a:pPr marL="342900" indent="-342900" algn="just">
+              <a:lnSpc>
+                <a:spcPct val="150000"/>
+              </a:lnSpc>
+              <a:buFont typeface="Arial" panose="020B0604020202020204" pitchFamily="34" charset="0"/>
+              <a:buChar char="•"/>
+            </a:pPr>
+            <a:r>
+              <a:rPr lang="pt-BR" sz="2400" dirty="0">
+                <a:latin typeface="Alte Haas Grotesk" panose="02000503000000020004"/>
+              </a:rPr>
+              <a:t>Inspeção e soluções de erros;</a:t>
+            </a:r>
+          </a:p>
+          <a:p>
+            <a:pPr marL="342900" indent="-342900" algn="just">
+              <a:lnSpc>
+                <a:spcPct val="150000"/>
+              </a:lnSpc>
+              <a:buFont typeface="Arial" panose="020B0604020202020204" pitchFamily="34" charset="0"/>
+              <a:buChar char="•"/>
+            </a:pPr>
+            <a:r>
+              <a:rPr lang="pt-BR" sz="2400" dirty="0">
+                <a:latin typeface="Alte Haas Grotesk" panose="02000503000000020004"/>
+              </a:rPr>
+              <a:t>Tomada de decisão de negócio;</a:t>
+            </a:r>
+          </a:p>
+          <a:p>
+            <a:pPr marL="342900" indent="-342900" algn="just">
+              <a:lnSpc>
+                <a:spcPct val="150000"/>
+              </a:lnSpc>
+              <a:buFont typeface="Arial" panose="020B0604020202020204" pitchFamily="34" charset="0"/>
+              <a:buChar char="•"/>
+            </a:pPr>
+            <a:r>
+              <a:rPr lang="pt-BR" sz="2400" dirty="0">
+                <a:latin typeface="Alte Haas Grotesk" panose="02000503000000020004"/>
+              </a:rPr>
+              <a:t>Análise e inspeção de vulnerabilidades;</a:t>
+            </a:r>
+          </a:p>
+          <a:p>
+            <a:pPr marL="342900" indent="-342900" algn="just">
+              <a:lnSpc>
+                <a:spcPct val="150000"/>
+              </a:lnSpc>
+              <a:buFont typeface="Arial" panose="020B0604020202020204" pitchFamily="34" charset="0"/>
+              <a:buChar char="•"/>
+            </a:pPr>
+            <a:r>
+              <a:rPr lang="pt-BR" sz="2400" dirty="0">
+                <a:latin typeface="Alte Haas Grotesk" panose="02000503000000020004"/>
+              </a:rPr>
+              <a:t>Criação de alertas;</a:t>
+            </a:r>
+          </a:p>
+          <a:p>
+            <a:pPr marL="342900" indent="-342900" algn="just">
+              <a:lnSpc>
+                <a:spcPct val="150000"/>
+              </a:lnSpc>
+              <a:buFont typeface="Arial" panose="020B0604020202020204" pitchFamily="34" charset="0"/>
+              <a:buChar char="•"/>
+            </a:pPr>
+            <a:r>
+              <a:rPr lang="pt-BR" sz="2400" dirty="0">
+                <a:latin typeface="Alte Haas Grotesk" panose="02000503000000020004"/>
+              </a:rPr>
+              <a:t>Auditoria de acessos;</a:t>
+            </a:r>
+            <a:endParaRPr lang="pt-BR" sz="2400" b="0" i="0" dirty="0">
+              <a:solidFill>
+                <a:srgbClr val="212529"/>
+              </a:solidFill>
+              <a:effectLst/>
+              <a:latin typeface="Alte Haas Grotesk" panose="02000503000000020004"/>
+            </a:endParaRPr>
+          </a:p>
+        </p:txBody>
+      </p:sp>
+      <p:sp>
+        <p:nvSpPr>
+          <p:cNvPr id="7" name="CaixaDeTexto 6">
+            <a:extLst>
+              <a:ext uri="{FF2B5EF4-FFF2-40B4-BE49-F238E27FC236}">
+                <a16:creationId xmlns:a16="http://schemas.microsoft.com/office/drawing/2014/main" id="{3B9E86B4-089C-5426-0120-0EF072D18985}"/>
+              </a:ext>
+            </a:extLst>
+          </p:cNvPr>
+          <p:cNvSpPr txBox="1"/>
+          <p:nvPr/>
+        </p:nvSpPr>
+        <p:spPr>
+          <a:xfrm>
+            <a:off x="0" y="282091"/>
+            <a:ext cx="12192000" cy="646331"/>
+          </a:xfrm>
+          <a:prstGeom prst="rect">
+            <a:avLst/>
+          </a:prstGeom>
+          <a:noFill/>
+        </p:spPr>
+        <p:txBody>
+          <a:bodyPr wrap="square" rtlCol="0">
+            <a:spAutoFit/>
+          </a:bodyPr>
+          <a:lstStyle/>
+          <a:p>
+            <a:pPr algn="ctr"/>
+            <a:r>
+              <a:rPr lang="pt-BR" sz="3600" b="1" dirty="0">
+                <a:solidFill>
+                  <a:srgbClr val="D2AE6D"/>
+                </a:solidFill>
+                <a:latin typeface="Alte Haas Grotesk" panose="02000503000000020004" pitchFamily="2" charset="0"/>
+              </a:rPr>
+              <a:t>BENEFÍCIOS</a:t>
+            </a:r>
+          </a:p>
+        </p:txBody>
+      </p:sp>
+    </p:spTree>
+    <p:extLst>
+      <p:ext uri="{BB962C8B-B14F-4D97-AF65-F5344CB8AC3E}">
+        <p14:creationId xmlns:p14="http://schemas.microsoft.com/office/powerpoint/2010/main" val="2648235271"/>
+      </p:ext>
+    </p:extLst>
+  </p:cSld>
+  <p:clrMapOvr>
+    <a:masterClrMapping/>
+  </p:clrMapOvr>
+</p:sld>
+</file>
+
+<file path=ppt/slides/slide7.xml><?xml version="1.0" encoding="utf-8"?>
+<p:sld xmlns:a="http://schemas.openxmlformats.org/drawingml/2006/main" xmlns:r="http://schemas.openxmlformats.org/officeDocument/2006/relationships" xmlns:p="http://schemas.openxmlformats.org/presentationml/2006/main">
+  <p:cSld>
+    <p:spTree>
+      <p:nvGrpSpPr>
+        <p:cNvPr id="1" name=""/>
+        <p:cNvGrpSpPr/>
+        <p:nvPr/>
+      </p:nvGrpSpPr>
+      <p:grpSpPr>
+        <a:xfrm>
+          <a:off x="0" y="0"/>
+          <a:ext cx="0" cy="0"/>
+          <a:chOff x="0" y="0"/>
+          <a:chExt cx="0" cy="0"/>
+        </a:xfrm>
+      </p:grpSpPr>
+      <p:pic>
+        <p:nvPicPr>
+          <p:cNvPr id="8" name="Imagem 7">
+            <a:extLst>
+              <a:ext uri="{FF2B5EF4-FFF2-40B4-BE49-F238E27FC236}">
+                <a16:creationId xmlns:a16="http://schemas.microsoft.com/office/drawing/2014/main" id="{58811B2A-2EF5-75D0-E6A6-8DF630E73600}"/>
+              </a:ext>
+            </a:extLst>
+          </p:cNvPr>
+          <p:cNvPicPr>
+            <a:picLocks noChangeAspect="1"/>
+          </p:cNvPicPr>
+          <p:nvPr/>
+        </p:nvPicPr>
+        <p:blipFill>
+          <a:blip r:embed="rId2">
+            <a:extLst>
+              <a:ext uri="{28A0092B-C50C-407E-A947-70E740481C1C}">
+                <a14:useLocalDpi xmlns:a14="http://schemas.microsoft.com/office/drawing/2010/main" val="0"/>
+              </a:ext>
+            </a:extLst>
+          </a:blip>
+          <a:stretch>
+            <a:fillRect/>
+          </a:stretch>
+        </p:blipFill>
+        <p:spPr>
+          <a:xfrm>
+            <a:off x="2708" y="0"/>
+            <a:ext cx="12186584" cy="6858000"/>
+          </a:xfrm>
+          <a:prstGeom prst="rect">
+            <a:avLst/>
+          </a:prstGeom>
+        </p:spPr>
+      </p:pic>
+      <p:sp>
+        <p:nvSpPr>
+          <p:cNvPr id="6" name="CaixaDeTexto 5">
+            <a:extLst>
+              <a:ext uri="{FF2B5EF4-FFF2-40B4-BE49-F238E27FC236}">
+                <a16:creationId xmlns:a16="http://schemas.microsoft.com/office/drawing/2014/main" id="{95A45216-2EBC-9A81-66AD-DB4905FD3FD2}"/>
+              </a:ext>
+            </a:extLst>
+          </p:cNvPr>
+          <p:cNvSpPr txBox="1"/>
+          <p:nvPr/>
+        </p:nvSpPr>
+        <p:spPr>
+          <a:xfrm>
+            <a:off x="2673291" y="1749469"/>
+            <a:ext cx="6845417" cy="3913059"/>
+          </a:xfrm>
+          <a:prstGeom prst="rect">
+            <a:avLst/>
+          </a:prstGeom>
+          <a:noFill/>
+        </p:spPr>
+        <p:txBody>
+          <a:bodyPr wrap="square" rtlCol="0">
+            <a:spAutoFit/>
+          </a:bodyPr>
+          <a:lstStyle/>
+          <a:p>
+            <a:pPr marL="342900" indent="-342900" algn="just">
+              <a:lnSpc>
+                <a:spcPct val="150000"/>
+              </a:lnSpc>
+              <a:buFont typeface="Arial" panose="020B0604020202020204" pitchFamily="34" charset="0"/>
+              <a:buChar char="•"/>
+            </a:pPr>
+            <a:r>
+              <a:rPr lang="pt-BR" sz="2400" dirty="0" err="1">
+                <a:latin typeface="Alte Haas Grotesk" panose="02000503000000020004"/>
+              </a:rPr>
+              <a:t>DataDog</a:t>
+            </a:r>
+            <a:r>
+              <a:rPr lang="pt-BR" sz="2400" dirty="0">
+                <a:latin typeface="Alte Haas Grotesk" panose="02000503000000020004"/>
+              </a:rPr>
+              <a:t>;</a:t>
+            </a:r>
+          </a:p>
+          <a:p>
+            <a:pPr marL="342900" indent="-342900" algn="just">
+              <a:lnSpc>
+                <a:spcPct val="150000"/>
+              </a:lnSpc>
+              <a:buFont typeface="Arial" panose="020B0604020202020204" pitchFamily="34" charset="0"/>
+              <a:buChar char="•"/>
+            </a:pPr>
+            <a:r>
+              <a:rPr lang="pt-BR" sz="2400" dirty="0">
+                <a:latin typeface="Alte Haas Grotesk" panose="02000503000000020004"/>
+              </a:rPr>
+              <a:t>New </a:t>
+            </a:r>
+            <a:r>
+              <a:rPr lang="pt-BR" sz="2400" dirty="0" err="1">
+                <a:latin typeface="Alte Haas Grotesk" panose="02000503000000020004"/>
+              </a:rPr>
+              <a:t>Relic</a:t>
+            </a:r>
+            <a:r>
+              <a:rPr lang="pt-BR" sz="2400" dirty="0">
+                <a:latin typeface="Alte Haas Grotesk" panose="02000503000000020004"/>
+              </a:rPr>
+              <a:t>;</a:t>
+            </a:r>
+          </a:p>
+          <a:p>
+            <a:pPr marL="342900" indent="-342900" algn="just">
+              <a:lnSpc>
+                <a:spcPct val="150000"/>
+              </a:lnSpc>
+              <a:buFont typeface="Arial" panose="020B0604020202020204" pitchFamily="34" charset="0"/>
+              <a:buChar char="•"/>
+            </a:pPr>
+            <a:r>
+              <a:rPr lang="pt-BR" sz="2400" dirty="0" err="1">
+                <a:latin typeface="Alte Haas Grotesk" panose="02000503000000020004"/>
+              </a:rPr>
+              <a:t>DynaTrace</a:t>
+            </a:r>
+            <a:r>
+              <a:rPr lang="pt-BR" sz="2400" dirty="0">
+                <a:latin typeface="Alte Haas Grotesk" panose="02000503000000020004"/>
+              </a:rPr>
+              <a:t>;</a:t>
+            </a:r>
+          </a:p>
+          <a:p>
+            <a:pPr marL="342900" indent="-342900" algn="just">
+              <a:lnSpc>
+                <a:spcPct val="150000"/>
+              </a:lnSpc>
+              <a:buFont typeface="Arial" panose="020B0604020202020204" pitchFamily="34" charset="0"/>
+              <a:buChar char="•"/>
+            </a:pPr>
+            <a:r>
+              <a:rPr lang="pt-BR" sz="2400" dirty="0" err="1">
+                <a:latin typeface="Alte Haas Grotesk" panose="02000503000000020004"/>
+              </a:rPr>
+              <a:t>Application</a:t>
+            </a:r>
+            <a:r>
+              <a:rPr lang="pt-BR" sz="2400" dirty="0">
+                <a:latin typeface="Alte Haas Grotesk" panose="02000503000000020004"/>
+              </a:rPr>
+              <a:t> Insights;</a:t>
+            </a:r>
+          </a:p>
+          <a:p>
+            <a:pPr marL="342900" indent="-342900" algn="just">
+              <a:lnSpc>
+                <a:spcPct val="150000"/>
+              </a:lnSpc>
+              <a:buFont typeface="Arial" panose="020B0604020202020204" pitchFamily="34" charset="0"/>
+              <a:buChar char="•"/>
+            </a:pPr>
+            <a:r>
+              <a:rPr lang="pt-BR" sz="2400" dirty="0" err="1">
+                <a:latin typeface="Alte Haas Grotesk" panose="02000503000000020004"/>
+              </a:rPr>
+              <a:t>Elastic</a:t>
+            </a:r>
+            <a:r>
+              <a:rPr lang="pt-BR" sz="2400" dirty="0">
+                <a:latin typeface="Alte Haas Grotesk" panose="02000503000000020004"/>
+              </a:rPr>
+              <a:t> Stack;</a:t>
+            </a:r>
+          </a:p>
+          <a:p>
+            <a:pPr marL="342900" indent="-342900" algn="just">
+              <a:lnSpc>
+                <a:spcPct val="150000"/>
+              </a:lnSpc>
+              <a:buFont typeface="Arial" panose="020B0604020202020204" pitchFamily="34" charset="0"/>
+              <a:buChar char="•"/>
+            </a:pPr>
+            <a:r>
+              <a:rPr lang="pt-BR" sz="2400" dirty="0" err="1">
+                <a:latin typeface="Alte Haas Grotesk" panose="02000503000000020004"/>
+              </a:rPr>
+              <a:t>Grafana</a:t>
+            </a:r>
+            <a:r>
+              <a:rPr lang="pt-BR" sz="2400" dirty="0">
+                <a:latin typeface="Alte Haas Grotesk" panose="02000503000000020004"/>
+              </a:rPr>
+              <a:t>;</a:t>
+            </a:r>
+          </a:p>
+          <a:p>
+            <a:pPr marL="342900" indent="-342900" algn="just">
+              <a:lnSpc>
+                <a:spcPct val="150000"/>
+              </a:lnSpc>
+              <a:buFont typeface="Arial" panose="020B0604020202020204" pitchFamily="34" charset="0"/>
+              <a:buChar char="•"/>
+            </a:pPr>
+            <a:r>
+              <a:rPr lang="pt-BR" sz="2400" b="0" i="0" dirty="0">
+                <a:solidFill>
+                  <a:srgbClr val="212529"/>
+                </a:solidFill>
+                <a:effectLst/>
+                <a:latin typeface="Alte Haas Grotesk" panose="02000503000000020004"/>
+              </a:rPr>
+              <a:t>...</a:t>
+            </a:r>
+          </a:p>
+        </p:txBody>
+      </p:sp>
+      <p:sp>
+        <p:nvSpPr>
+          <p:cNvPr id="7" name="CaixaDeTexto 6">
+            <a:extLst>
+              <a:ext uri="{FF2B5EF4-FFF2-40B4-BE49-F238E27FC236}">
+                <a16:creationId xmlns:a16="http://schemas.microsoft.com/office/drawing/2014/main" id="{3B9E86B4-089C-5426-0120-0EF072D18985}"/>
+              </a:ext>
+            </a:extLst>
+          </p:cNvPr>
+          <p:cNvSpPr txBox="1"/>
+          <p:nvPr/>
+        </p:nvSpPr>
+        <p:spPr>
+          <a:xfrm>
+            <a:off x="0" y="282091"/>
+            <a:ext cx="12192000" cy="646331"/>
+          </a:xfrm>
+          <a:prstGeom prst="rect">
+            <a:avLst/>
+          </a:prstGeom>
+          <a:noFill/>
+        </p:spPr>
+        <p:txBody>
+          <a:bodyPr wrap="square" rtlCol="0">
+            <a:spAutoFit/>
+          </a:bodyPr>
+          <a:lstStyle/>
+          <a:p>
+            <a:pPr algn="ctr"/>
+            <a:r>
+              <a:rPr lang="pt-BR" sz="3600" b="1" dirty="0">
+                <a:solidFill>
+                  <a:srgbClr val="D2AE6D"/>
+                </a:solidFill>
+                <a:latin typeface="Alte Haas Grotesk" panose="02000503000000020004" pitchFamily="2" charset="0"/>
+              </a:rPr>
+              <a:t>FERRAMENTAS</a:t>
+            </a:r>
+          </a:p>
+        </p:txBody>
+      </p:sp>
+    </p:spTree>
+    <p:extLst>
+      <p:ext uri="{BB962C8B-B14F-4D97-AF65-F5344CB8AC3E}">
+        <p14:creationId xmlns:p14="http://schemas.microsoft.com/office/powerpoint/2010/main" val="1683945180"/>
+      </p:ext>
+    </p:extLst>
+  </p:cSld>
+  <p:clrMapOvr>
+    <a:masterClrMapping/>
+  </p:clrMapOvr>
+</p:sld>
+</file>
+
+<file path=ppt/slides/slide8.xml><?xml version="1.0" encoding="utf-8"?>
+<p:sld xmlns:a="http://schemas.openxmlformats.org/drawingml/2006/main" xmlns:r="http://schemas.openxmlformats.org/officeDocument/2006/relationships" xmlns:p="http://schemas.openxmlformats.org/presentationml/2006/main">
+  <p:cSld>
+    <p:spTree>
+      <p:nvGrpSpPr>
+        <p:cNvPr id="1" name=""/>
+        <p:cNvGrpSpPr/>
+        <p:nvPr/>
+      </p:nvGrpSpPr>
+      <p:grpSpPr>
+        <a:xfrm>
+          <a:off x="0" y="0"/>
+          <a:ext cx="0" cy="0"/>
+          <a:chOff x="0" y="0"/>
+          <a:chExt cx="0" cy="0"/>
+        </a:xfrm>
+      </p:grpSpPr>
+      <p:pic>
+        <p:nvPicPr>
+          <p:cNvPr id="8" name="Imagem 7">
+            <a:extLst>
+              <a:ext uri="{FF2B5EF4-FFF2-40B4-BE49-F238E27FC236}">
+                <a16:creationId xmlns:a16="http://schemas.microsoft.com/office/drawing/2014/main" id="{58811B2A-2EF5-75D0-E6A6-8DF630E73600}"/>
+              </a:ext>
+            </a:extLst>
+          </p:cNvPr>
+          <p:cNvPicPr>
+            <a:picLocks noChangeAspect="1"/>
+          </p:cNvPicPr>
+          <p:nvPr/>
+        </p:nvPicPr>
+        <p:blipFill>
+          <a:blip r:embed="rId2">
+            <a:extLst>
+              <a:ext uri="{28A0092B-C50C-407E-A947-70E740481C1C}">
+                <a14:useLocalDpi xmlns:a14="http://schemas.microsoft.com/office/drawing/2010/main" val="0"/>
+              </a:ext>
+            </a:extLst>
+          </a:blip>
+          <a:stretch>
+            <a:fillRect/>
+          </a:stretch>
+        </p:blipFill>
+        <p:spPr>
+          <a:xfrm>
+            <a:off x="2708" y="0"/>
+            <a:ext cx="12186584" cy="6858000"/>
+          </a:xfrm>
+          <a:prstGeom prst="rect">
+            <a:avLst/>
+          </a:prstGeom>
+        </p:spPr>
+      </p:pic>
+      <p:sp>
+        <p:nvSpPr>
+          <p:cNvPr id="6" name="CaixaDeTexto 5">
+            <a:extLst>
+              <a:ext uri="{FF2B5EF4-FFF2-40B4-BE49-F238E27FC236}">
+                <a16:creationId xmlns:a16="http://schemas.microsoft.com/office/drawing/2014/main" id="{95A45216-2EBC-9A81-66AD-DB4905FD3FD2}"/>
+              </a:ext>
+            </a:extLst>
+          </p:cNvPr>
+          <p:cNvSpPr txBox="1"/>
+          <p:nvPr/>
+        </p:nvSpPr>
+        <p:spPr>
+          <a:xfrm>
+            <a:off x="2673291" y="2757149"/>
+            <a:ext cx="6845417" cy="837473"/>
+          </a:xfrm>
+          <a:prstGeom prst="rect">
+            <a:avLst/>
+          </a:prstGeom>
+          <a:noFill/>
+        </p:spPr>
+        <p:txBody>
+          <a:bodyPr wrap="square" rtlCol="0">
+            <a:spAutoFit/>
+          </a:bodyPr>
+          <a:lstStyle/>
+          <a:p>
+            <a:pPr algn="ctr">
+              <a:lnSpc>
+                <a:spcPct val="150000"/>
+              </a:lnSpc>
+            </a:pPr>
+            <a:r>
+              <a:rPr lang="pt-BR" sz="3600" b="1" dirty="0">
+                <a:latin typeface="Alte Haas Grotesk" panose="02000503000000020004"/>
+              </a:rPr>
+              <a:t>Acoplamento de ferramenta</a:t>
+            </a:r>
+          </a:p>
+        </p:txBody>
+      </p:sp>
+      <p:sp>
+        <p:nvSpPr>
+          <p:cNvPr id="7" name="CaixaDeTexto 6">
+            <a:extLst>
+              <a:ext uri="{FF2B5EF4-FFF2-40B4-BE49-F238E27FC236}">
+                <a16:creationId xmlns:a16="http://schemas.microsoft.com/office/drawing/2014/main" id="{3B9E86B4-089C-5426-0120-0EF072D18985}"/>
+              </a:ext>
+            </a:extLst>
+          </p:cNvPr>
+          <p:cNvSpPr txBox="1"/>
+          <p:nvPr/>
+        </p:nvSpPr>
+        <p:spPr>
+          <a:xfrm>
+            <a:off x="0" y="282091"/>
+            <a:ext cx="12192000" cy="646331"/>
+          </a:xfrm>
+          <a:prstGeom prst="rect">
+            <a:avLst/>
+          </a:prstGeom>
+          <a:noFill/>
+        </p:spPr>
+        <p:txBody>
+          <a:bodyPr wrap="square" rtlCol="0">
+            <a:spAutoFit/>
+          </a:bodyPr>
+          <a:lstStyle/>
+          <a:p>
+            <a:pPr algn="ctr"/>
+            <a:r>
+              <a:rPr lang="pt-BR" sz="3600" b="1" dirty="0">
+                <a:solidFill>
+                  <a:srgbClr val="D2AE6D"/>
+                </a:solidFill>
+                <a:latin typeface="Alte Haas Grotesk" panose="02000503000000020004" pitchFamily="2" charset="0"/>
+              </a:rPr>
+              <a:t>PRINCIPAL DESAFIO</a:t>
+            </a:r>
+          </a:p>
+        </p:txBody>
+      </p:sp>
+    </p:spTree>
+    <p:extLst>
+      <p:ext uri="{BB962C8B-B14F-4D97-AF65-F5344CB8AC3E}">
+        <p14:creationId xmlns:p14="http://schemas.microsoft.com/office/powerpoint/2010/main" val="1973478826"/>
+      </p:ext>
+    </p:extLst>
+  </p:cSld>
+  <p:clrMapOvr>
+    <a:masterClrMapping/>
+  </p:clrMapOvr>
+</p:sld>
+</file>
+
+<file path=ppt/slides/slide9.xml><?xml version="1.0" encoding="utf-8"?>
+<p:sld xmlns:a="http://schemas.openxmlformats.org/drawingml/2006/main" xmlns:r="http://schemas.openxmlformats.org/officeDocument/2006/relationships" xmlns:p="http://schemas.openxmlformats.org/presentationml/2006/main">
+  <p:cSld>
+    <p:spTree>
+      <p:nvGrpSpPr>
+        <p:cNvPr id="1" name=""/>
+        <p:cNvGrpSpPr/>
+        <p:nvPr/>
+      </p:nvGrpSpPr>
+      <p:grpSpPr>
+        <a:xfrm>
+          <a:off x="0" y="0"/>
+          <a:ext cx="0" cy="0"/>
+          <a:chOff x="0" y="0"/>
+          <a:chExt cx="0" cy="0"/>
+        </a:xfrm>
+      </p:grpSpPr>
+      <p:pic>
+        <p:nvPicPr>
+          <p:cNvPr id="8" name="Imagem 7">
+            <a:extLst>
+              <a:ext uri="{FF2B5EF4-FFF2-40B4-BE49-F238E27FC236}">
+                <a16:creationId xmlns:a16="http://schemas.microsoft.com/office/drawing/2014/main" id="{58811B2A-2EF5-75D0-E6A6-8DF630E73600}"/>
+              </a:ext>
+            </a:extLst>
+          </p:cNvPr>
+          <p:cNvPicPr>
+            <a:picLocks noChangeAspect="1"/>
+          </p:cNvPicPr>
+          <p:nvPr/>
+        </p:nvPicPr>
+        <p:blipFill>
+          <a:blip r:embed="rId2">
+            <a:extLst>
+              <a:ext uri="{28A0092B-C50C-407E-A947-70E740481C1C}">
+                <a14:useLocalDpi xmlns:a14="http://schemas.microsoft.com/office/drawing/2010/main" val="0"/>
+              </a:ext>
+            </a:extLst>
+          </a:blip>
+          <a:stretch>
+            <a:fillRect/>
+          </a:stretch>
+        </p:blipFill>
+        <p:spPr>
+          <a:xfrm>
+            <a:off x="2708" y="0"/>
+            <a:ext cx="12186584" cy="6858000"/>
+          </a:xfrm>
+          <a:prstGeom prst="rect">
+            <a:avLst/>
+          </a:prstGeom>
+        </p:spPr>
+      </p:pic>
+      <p:sp>
+        <p:nvSpPr>
+          <p:cNvPr id="6" name="CaixaDeTexto 5">
+            <a:extLst>
+              <a:ext uri="{FF2B5EF4-FFF2-40B4-BE49-F238E27FC236}">
+                <a16:creationId xmlns:a16="http://schemas.microsoft.com/office/drawing/2014/main" id="{95A45216-2EBC-9A81-66AD-DB4905FD3FD2}"/>
+              </a:ext>
+            </a:extLst>
+          </p:cNvPr>
+          <p:cNvSpPr txBox="1"/>
+          <p:nvPr/>
+        </p:nvSpPr>
+        <p:spPr>
+          <a:xfrm>
+            <a:off x="1274618" y="1210513"/>
+            <a:ext cx="9596582" cy="3913059"/>
+          </a:xfrm>
+          <a:prstGeom prst="rect">
+            <a:avLst/>
+          </a:prstGeom>
+          <a:noFill/>
+        </p:spPr>
+        <p:txBody>
+          <a:bodyPr wrap="square" rtlCol="0">
+            <a:spAutoFit/>
+          </a:bodyPr>
+          <a:lstStyle/>
+          <a:p>
+            <a:pPr marL="342900" indent="-342900" algn="just">
+              <a:lnSpc>
+                <a:spcPct val="150000"/>
+              </a:lnSpc>
+              <a:buFont typeface="Arial" panose="020B0604020202020204" pitchFamily="34" charset="0"/>
+              <a:buChar char="•"/>
+            </a:pPr>
+            <a:r>
+              <a:rPr lang="pt-BR" sz="2400" dirty="0">
+                <a:latin typeface="Alte Haas Grotesk" panose="02000503000000020004"/>
+              </a:rPr>
+              <a:t>Framework de </a:t>
+            </a:r>
+            <a:r>
+              <a:rPr lang="pt-BR" sz="2400" dirty="0" err="1">
+                <a:latin typeface="Alte Haas Grotesk" panose="02000503000000020004"/>
+              </a:rPr>
+              <a:t>observabilidade</a:t>
+            </a:r>
+            <a:r>
+              <a:rPr lang="pt-BR" sz="2400" dirty="0">
+                <a:latin typeface="Alte Haas Grotesk" panose="02000503000000020004"/>
+              </a:rPr>
+              <a:t> agnóstico de fornecedores;</a:t>
+            </a:r>
+          </a:p>
+          <a:p>
+            <a:pPr marL="342900" indent="-342900" algn="just">
+              <a:lnSpc>
+                <a:spcPct val="150000"/>
+              </a:lnSpc>
+              <a:buFont typeface="Arial" panose="020B0604020202020204" pitchFamily="34" charset="0"/>
+              <a:buChar char="•"/>
+            </a:pPr>
+            <a:r>
+              <a:rPr lang="pt-BR" sz="2400" dirty="0">
+                <a:latin typeface="Alte Haas Grotesk" panose="02000503000000020004"/>
+              </a:rPr>
+              <a:t>CNCF (Cloud </a:t>
+            </a:r>
+            <a:r>
+              <a:rPr lang="pt-BR" sz="2400" dirty="0" err="1">
+                <a:latin typeface="Alte Haas Grotesk" panose="02000503000000020004"/>
+              </a:rPr>
+              <a:t>Native</a:t>
+            </a:r>
+            <a:r>
+              <a:rPr lang="pt-BR" sz="2400" dirty="0">
+                <a:latin typeface="Alte Haas Grotesk" panose="02000503000000020004"/>
+              </a:rPr>
+              <a:t> </a:t>
+            </a:r>
+            <a:r>
+              <a:rPr lang="pt-BR" sz="2400" dirty="0" err="1">
+                <a:latin typeface="Alte Haas Grotesk" panose="02000503000000020004"/>
+              </a:rPr>
+              <a:t>Computing</a:t>
+            </a:r>
+            <a:r>
+              <a:rPr lang="pt-BR" sz="2400" dirty="0">
+                <a:latin typeface="Alte Haas Grotesk" panose="02000503000000020004"/>
+              </a:rPr>
+              <a:t> Foundation);</a:t>
+            </a:r>
+          </a:p>
+          <a:p>
+            <a:pPr marL="342900" indent="-342900" algn="just">
+              <a:lnSpc>
+                <a:spcPct val="150000"/>
+              </a:lnSpc>
+              <a:buFont typeface="Arial" panose="020B0604020202020204" pitchFamily="34" charset="0"/>
+              <a:buChar char="•"/>
+            </a:pPr>
+            <a:r>
+              <a:rPr lang="pt-BR" sz="2400" dirty="0">
+                <a:latin typeface="Alte Haas Grotesk" panose="02000503000000020004"/>
+              </a:rPr>
+              <a:t>Composto com uma coleção de ferramentas para instrumentar, gerar, coletar e exportar dados de telemetria;</a:t>
+            </a:r>
+          </a:p>
+          <a:p>
+            <a:pPr marL="342900" indent="-342900" algn="just">
+              <a:lnSpc>
+                <a:spcPct val="150000"/>
+              </a:lnSpc>
+              <a:buFont typeface="Arial" panose="020B0604020202020204" pitchFamily="34" charset="0"/>
+              <a:buChar char="•"/>
+            </a:pPr>
+            <a:r>
+              <a:rPr lang="pt-BR" sz="2400" dirty="0">
+                <a:latin typeface="Alte Haas Grotesk" panose="02000503000000020004"/>
+              </a:rPr>
+              <a:t>Trabalha com os três pilares da </a:t>
+            </a:r>
+            <a:r>
+              <a:rPr lang="pt-BR" sz="2400" dirty="0" err="1">
+                <a:latin typeface="Alte Haas Grotesk" panose="02000503000000020004"/>
+              </a:rPr>
+              <a:t>observabilidade</a:t>
+            </a:r>
+            <a:r>
+              <a:rPr lang="pt-BR" sz="2400" dirty="0">
+                <a:latin typeface="Alte Haas Grotesk" panose="02000503000000020004"/>
+              </a:rPr>
+              <a:t>;</a:t>
+            </a:r>
+          </a:p>
+          <a:p>
+            <a:pPr marL="342900" indent="-342900" algn="just">
+              <a:lnSpc>
+                <a:spcPct val="150000"/>
+              </a:lnSpc>
+              <a:buFont typeface="Arial" panose="020B0604020202020204" pitchFamily="34" charset="0"/>
+              <a:buChar char="•"/>
+            </a:pPr>
+            <a:r>
+              <a:rPr lang="pt-BR" sz="2400" dirty="0">
+                <a:latin typeface="Alte Haas Grotesk" panose="02000503000000020004"/>
+              </a:rPr>
+              <a:t>Alta performance;</a:t>
+            </a:r>
+          </a:p>
+          <a:p>
+            <a:pPr marL="342900" indent="-342900" algn="just">
+              <a:lnSpc>
+                <a:spcPct val="150000"/>
+              </a:lnSpc>
+              <a:buFont typeface="Arial" panose="020B0604020202020204" pitchFamily="34" charset="0"/>
+              <a:buChar char="•"/>
+            </a:pPr>
+            <a:r>
+              <a:rPr lang="pt-BR" sz="2400" dirty="0">
+                <a:latin typeface="Alte Haas Grotesk" panose="02000503000000020004"/>
+              </a:rPr>
+              <a:t>Independente de fabricante</a:t>
+            </a:r>
+            <a:endParaRPr lang="pt-BR" sz="2400" b="0" i="0" dirty="0">
+              <a:solidFill>
+                <a:srgbClr val="212529"/>
+              </a:solidFill>
+              <a:effectLst/>
+              <a:latin typeface="Alte Haas Grotesk" panose="02000503000000020004"/>
+            </a:endParaRPr>
+          </a:p>
+        </p:txBody>
+      </p:sp>
+      <p:sp>
+        <p:nvSpPr>
+          <p:cNvPr id="7" name="CaixaDeTexto 6">
+            <a:extLst>
+              <a:ext uri="{FF2B5EF4-FFF2-40B4-BE49-F238E27FC236}">
+                <a16:creationId xmlns:a16="http://schemas.microsoft.com/office/drawing/2014/main" id="{3B9E86B4-089C-5426-0120-0EF072D18985}"/>
+              </a:ext>
+            </a:extLst>
+          </p:cNvPr>
+          <p:cNvSpPr txBox="1"/>
+          <p:nvPr/>
+        </p:nvSpPr>
+        <p:spPr>
+          <a:xfrm>
+            <a:off x="0" y="282091"/>
+            <a:ext cx="12192000" cy="646331"/>
+          </a:xfrm>
+          <a:prstGeom prst="rect">
+            <a:avLst/>
+          </a:prstGeom>
+          <a:noFill/>
+        </p:spPr>
+        <p:txBody>
+          <a:bodyPr wrap="square" rtlCol="0">
+            <a:spAutoFit/>
+          </a:bodyPr>
+          <a:lstStyle/>
+          <a:p>
+            <a:pPr algn="ctr"/>
+            <a:r>
+              <a:rPr lang="pt-BR" sz="3600" b="1" dirty="0">
+                <a:solidFill>
+                  <a:srgbClr val="D2AE6D"/>
+                </a:solidFill>
+                <a:latin typeface="Alte Haas Grotesk" panose="02000503000000020004" pitchFamily="2" charset="0"/>
+              </a:rPr>
+              <a:t>OPENTELEMETRY</a:t>
+            </a:r>
+          </a:p>
+        </p:txBody>
+      </p:sp>
+    </p:spTree>
+    <p:extLst>
+      <p:ext uri="{BB962C8B-B14F-4D97-AF65-F5344CB8AC3E}">
+        <p14:creationId xmlns:p14="http://schemas.microsoft.com/office/powerpoint/2010/main" val="3068216955"/>
       </p:ext>
     </p:extLst>
   </p:cSld>
